--- a/2018180040 - 2DGP 3차 발표 프레젠테이션.pptx
+++ b/2018180040 - 2DGP 3차 발표 프레젠테이션.pptx
@@ -224,7 +224,7 @@
               <a:pPr lvl="0">
                 <a:defRPr lang="ko-KR" altLang="en-US"/>
               </a:pPr>
-              <a:t>2022-10-23</a:t>
+              <a:t>2022-10-31</a:t>
             </a:fld>
             <a:endParaRPr lang="ko-KR" altLang="en-US"/>
           </a:p>
@@ -784,7 +784,7 @@
           <a:p>
             <a:fld id="{5DEF9E08-89F7-4BEF-8B6A-F0B3DC75C2BF}" type="datetimeFigureOut">
               <a:rPr lang="ko-KR" altLang="en-US" smtClean="0"/>
-              <a:t>2022-10-23</a:t>
+              <a:t>2022-10-31</a:t>
             </a:fld>
             <a:endParaRPr lang="ko-KR" altLang="en-US"/>
           </a:p>
@@ -2588,7 +2588,7 @@
           <a:p>
             <a:fld id="{5DEF9E08-89F7-4BEF-8B6A-F0B3DC75C2BF}" type="datetimeFigureOut">
               <a:rPr lang="ko-KR" altLang="en-US" smtClean="0"/>
-              <a:t>2022-10-23</a:t>
+              <a:t>2022-10-31</a:t>
             </a:fld>
             <a:endParaRPr lang="ko-KR" altLang="en-US"/>
           </a:p>
@@ -2768,7 +2768,7 @@
           <a:p>
             <a:fld id="{5DEF9E08-89F7-4BEF-8B6A-F0B3DC75C2BF}" type="datetimeFigureOut">
               <a:rPr lang="ko-KR" altLang="en-US" smtClean="0"/>
-              <a:t>2022-10-23</a:t>
+              <a:t>2022-10-31</a:t>
             </a:fld>
             <a:endParaRPr lang="ko-KR" altLang="en-US"/>
           </a:p>
@@ -2943,7 +2943,7 @@
           <a:p>
             <a:fld id="{5DEF9E08-89F7-4BEF-8B6A-F0B3DC75C2BF}" type="datetimeFigureOut">
               <a:rPr lang="ko-KR" altLang="en-US" smtClean="0"/>
-              <a:t>2022-10-23</a:t>
+              <a:t>2022-10-31</a:t>
             </a:fld>
             <a:endParaRPr lang="ko-KR" altLang="en-US"/>
           </a:p>
@@ -3191,7 +3191,7 @@
           <a:p>
             <a:fld id="{5DEF9E08-89F7-4BEF-8B6A-F0B3DC75C2BF}" type="datetimeFigureOut">
               <a:rPr lang="ko-KR" altLang="en-US" smtClean="0"/>
-              <a:t>2022-10-23</a:t>
+              <a:t>2022-10-31</a:t>
             </a:fld>
             <a:endParaRPr lang="ko-KR" altLang="en-US"/>
           </a:p>
@@ -5113,7 +5113,7 @@
           <a:p>
             <a:fld id="{5DEF9E08-89F7-4BEF-8B6A-F0B3DC75C2BF}" type="datetimeFigureOut">
               <a:rPr lang="ko-KR" altLang="en-US" smtClean="0"/>
-              <a:t>2022-10-23</a:t>
+              <a:t>2022-10-31</a:t>
             </a:fld>
             <a:endParaRPr lang="ko-KR" altLang="en-US"/>
           </a:p>
@@ -5549,7 +5549,7 @@
           <a:p>
             <a:fld id="{5DEF9E08-89F7-4BEF-8B6A-F0B3DC75C2BF}" type="datetimeFigureOut">
               <a:rPr lang="ko-KR" altLang="en-US" smtClean="0"/>
-              <a:t>2022-10-23</a:t>
+              <a:t>2022-10-31</a:t>
             </a:fld>
             <a:endParaRPr lang="ko-KR" altLang="en-US"/>
           </a:p>
@@ -5667,7 +5667,7 @@
           <a:p>
             <a:fld id="{5DEF9E08-89F7-4BEF-8B6A-F0B3DC75C2BF}" type="datetimeFigureOut">
               <a:rPr lang="ko-KR" altLang="en-US" smtClean="0"/>
-              <a:t>2022-10-23</a:t>
+              <a:t>2022-10-31</a:t>
             </a:fld>
             <a:endParaRPr lang="ko-KR" altLang="en-US"/>
           </a:p>
@@ -5762,7 +5762,7 @@
           <a:p>
             <a:fld id="{5DEF9E08-89F7-4BEF-8B6A-F0B3DC75C2BF}" type="datetimeFigureOut">
               <a:rPr lang="ko-KR" altLang="en-US" smtClean="0"/>
-              <a:t>2022-10-23</a:t>
+              <a:t>2022-10-31</a:t>
             </a:fld>
             <a:endParaRPr lang="ko-KR" altLang="en-US"/>
           </a:p>
@@ -6059,7 +6059,7 @@
           <a:p>
             <a:fld id="{5DEF9E08-89F7-4BEF-8B6A-F0B3DC75C2BF}" type="datetimeFigureOut">
               <a:rPr lang="ko-KR" altLang="en-US" smtClean="0"/>
-              <a:t>2022-10-23</a:t>
+              <a:t>2022-10-31</a:t>
             </a:fld>
             <a:endParaRPr lang="ko-KR" altLang="en-US"/>
           </a:p>
@@ -6331,7 +6331,7 @@
           <a:p>
             <a:fld id="{5DEF9E08-89F7-4BEF-8B6A-F0B3DC75C2BF}" type="datetimeFigureOut">
               <a:rPr lang="ko-KR" altLang="en-US" smtClean="0"/>
-              <a:t>2022-10-23</a:t>
+              <a:t>2022-10-31</a:t>
             </a:fld>
             <a:endParaRPr lang="ko-KR" altLang="en-US"/>
           </a:p>
@@ -9444,7 +9444,7 @@
           <a:p>
             <a:fld id="{5DEF9E08-89F7-4BEF-8B6A-F0B3DC75C2BF}" type="datetimeFigureOut">
               <a:rPr lang="ko-KR" altLang="en-US" smtClean="0"/>
-              <a:t>2022-10-23</a:t>
+              <a:t>2022-10-31</a:t>
             </a:fld>
             <a:endParaRPr lang="ko-KR" altLang="en-US"/>
           </a:p>
@@ -10937,9 +10937,7 @@
             <a:r>
               <a:rPr lang="ko-KR" altLang="en-US" sz="2000" dirty="0">
                 <a:solidFill>
-                  <a:schemeClr val="bg1">
-                    <a:lumMod val="75000"/>
-                  </a:schemeClr>
+                  <a:schemeClr val="bg1"/>
                 </a:solidFill>
                 <a:latin typeface="ONE 모바일POP OTF"/>
                 <a:ea typeface="ONE 모바일POP OTF"/>
@@ -10949,9 +10947,7 @@
             <a:r>
               <a:rPr lang="en-US" altLang="ko-KR" sz="2000" dirty="0">
                 <a:solidFill>
-                  <a:schemeClr val="bg1">
-                    <a:lumMod val="75000"/>
-                  </a:schemeClr>
+                  <a:schemeClr val="bg1"/>
                 </a:solidFill>
                 <a:latin typeface="ONE 모바일POP OTF"/>
                 <a:ea typeface="ONE 모바일POP OTF"/>

--- a/2018180040 - 2DGP 3차 발표 프레젠테이션.pptx
+++ b/2018180040 - 2DGP 3차 발표 프레젠테이션.pptx
@@ -224,7 +224,7 @@
               <a:pPr lvl="0">
                 <a:defRPr lang="ko-KR" altLang="en-US"/>
               </a:pPr>
-              <a:t>2022-10-31</a:t>
+              <a:t>2022-11-10</a:t>
             </a:fld>
             <a:endParaRPr lang="ko-KR" altLang="en-US"/>
           </a:p>
@@ -784,7 +784,7 @@
           <a:p>
             <a:fld id="{5DEF9E08-89F7-4BEF-8B6A-F0B3DC75C2BF}" type="datetimeFigureOut">
               <a:rPr lang="ko-KR" altLang="en-US" smtClean="0"/>
-              <a:t>2022-10-31</a:t>
+              <a:t>2022-11-10</a:t>
             </a:fld>
             <a:endParaRPr lang="ko-KR" altLang="en-US"/>
           </a:p>
@@ -2588,7 +2588,7 @@
           <a:p>
             <a:fld id="{5DEF9E08-89F7-4BEF-8B6A-F0B3DC75C2BF}" type="datetimeFigureOut">
               <a:rPr lang="ko-KR" altLang="en-US" smtClean="0"/>
-              <a:t>2022-10-31</a:t>
+              <a:t>2022-11-10</a:t>
             </a:fld>
             <a:endParaRPr lang="ko-KR" altLang="en-US"/>
           </a:p>
@@ -2768,7 +2768,7 @@
           <a:p>
             <a:fld id="{5DEF9E08-89F7-4BEF-8B6A-F0B3DC75C2BF}" type="datetimeFigureOut">
               <a:rPr lang="ko-KR" altLang="en-US" smtClean="0"/>
-              <a:t>2022-10-31</a:t>
+              <a:t>2022-11-10</a:t>
             </a:fld>
             <a:endParaRPr lang="ko-KR" altLang="en-US"/>
           </a:p>
@@ -2943,7 +2943,7 @@
           <a:p>
             <a:fld id="{5DEF9E08-89F7-4BEF-8B6A-F0B3DC75C2BF}" type="datetimeFigureOut">
               <a:rPr lang="ko-KR" altLang="en-US" smtClean="0"/>
-              <a:t>2022-10-31</a:t>
+              <a:t>2022-11-10</a:t>
             </a:fld>
             <a:endParaRPr lang="ko-KR" altLang="en-US"/>
           </a:p>
@@ -3191,7 +3191,7 @@
           <a:p>
             <a:fld id="{5DEF9E08-89F7-4BEF-8B6A-F0B3DC75C2BF}" type="datetimeFigureOut">
               <a:rPr lang="ko-KR" altLang="en-US" smtClean="0"/>
-              <a:t>2022-10-31</a:t>
+              <a:t>2022-11-10</a:t>
             </a:fld>
             <a:endParaRPr lang="ko-KR" altLang="en-US"/>
           </a:p>
@@ -5113,7 +5113,7 @@
           <a:p>
             <a:fld id="{5DEF9E08-89F7-4BEF-8B6A-F0B3DC75C2BF}" type="datetimeFigureOut">
               <a:rPr lang="ko-KR" altLang="en-US" smtClean="0"/>
-              <a:t>2022-10-31</a:t>
+              <a:t>2022-11-10</a:t>
             </a:fld>
             <a:endParaRPr lang="ko-KR" altLang="en-US"/>
           </a:p>
@@ -5549,7 +5549,7 @@
           <a:p>
             <a:fld id="{5DEF9E08-89F7-4BEF-8B6A-F0B3DC75C2BF}" type="datetimeFigureOut">
               <a:rPr lang="ko-KR" altLang="en-US" smtClean="0"/>
-              <a:t>2022-10-31</a:t>
+              <a:t>2022-11-10</a:t>
             </a:fld>
             <a:endParaRPr lang="ko-KR" altLang="en-US"/>
           </a:p>
@@ -5667,7 +5667,7 @@
           <a:p>
             <a:fld id="{5DEF9E08-89F7-4BEF-8B6A-F0B3DC75C2BF}" type="datetimeFigureOut">
               <a:rPr lang="ko-KR" altLang="en-US" smtClean="0"/>
-              <a:t>2022-10-31</a:t>
+              <a:t>2022-11-10</a:t>
             </a:fld>
             <a:endParaRPr lang="ko-KR" altLang="en-US"/>
           </a:p>
@@ -5762,7 +5762,7 @@
           <a:p>
             <a:fld id="{5DEF9E08-89F7-4BEF-8B6A-F0B3DC75C2BF}" type="datetimeFigureOut">
               <a:rPr lang="ko-KR" altLang="en-US" smtClean="0"/>
-              <a:t>2022-10-31</a:t>
+              <a:t>2022-11-10</a:t>
             </a:fld>
             <a:endParaRPr lang="ko-KR" altLang="en-US"/>
           </a:p>
@@ -6059,7 +6059,7 @@
           <a:p>
             <a:fld id="{5DEF9E08-89F7-4BEF-8B6A-F0B3DC75C2BF}" type="datetimeFigureOut">
               <a:rPr lang="ko-KR" altLang="en-US" smtClean="0"/>
-              <a:t>2022-10-31</a:t>
+              <a:t>2022-11-10</a:t>
             </a:fld>
             <a:endParaRPr lang="ko-KR" altLang="en-US"/>
           </a:p>
@@ -6331,7 +6331,7 @@
           <a:p>
             <a:fld id="{5DEF9E08-89F7-4BEF-8B6A-F0B3DC75C2BF}" type="datetimeFigureOut">
               <a:rPr lang="ko-KR" altLang="en-US" smtClean="0"/>
-              <a:t>2022-10-31</a:t>
+              <a:t>2022-11-10</a:t>
             </a:fld>
             <a:endParaRPr lang="ko-KR" altLang="en-US"/>
           </a:p>
@@ -9444,7 +9444,7 @@
           <a:p>
             <a:fld id="{5DEF9E08-89F7-4BEF-8B6A-F0B3DC75C2BF}" type="datetimeFigureOut">
               <a:rPr lang="ko-KR" altLang="en-US" smtClean="0"/>
-              <a:t>2022-10-31</a:t>
+              <a:t>2022-11-10</a:t>
             </a:fld>
             <a:endParaRPr lang="ko-KR" altLang="en-US"/>
           </a:p>
@@ -12700,9 +12700,7 @@
             <a:r>
               <a:rPr lang="en-US" altLang="ko-KR" sz="2000" dirty="0">
                 <a:solidFill>
-                  <a:schemeClr val="bg1">
-                    <a:lumMod val="75000"/>
-                  </a:schemeClr>
+                  <a:schemeClr val="bg1"/>
                 </a:solidFill>
                 <a:latin typeface="ONE 모바일POP OTF"/>
                 <a:ea typeface="ONE 모바일POP OTF"/>
@@ -12712,9 +12710,7 @@
             <a:r>
               <a:rPr lang="ko-KR" altLang="en-US" sz="2000" dirty="0">
                 <a:solidFill>
-                  <a:schemeClr val="bg1">
-                    <a:lumMod val="75000"/>
-                  </a:schemeClr>
+                  <a:schemeClr val="bg1"/>
                 </a:solidFill>
                 <a:latin typeface="ONE 모바일POP OTF"/>
                 <a:ea typeface="ONE 모바일POP OTF"/>
@@ -12724,9 +12720,7 @@
             <a:r>
               <a:rPr lang="en-US" altLang="ko-KR" sz="2000" dirty="0">
                 <a:solidFill>
-                  <a:schemeClr val="bg1">
-                    <a:lumMod val="75000"/>
-                  </a:schemeClr>
+                  <a:schemeClr val="bg1"/>
                 </a:solidFill>
                 <a:latin typeface="ONE 모바일POP OTF"/>
                 <a:ea typeface="ONE 모바일POP OTF"/>
@@ -12736,9 +12730,7 @@
             <a:r>
               <a:rPr lang="ko-KR" altLang="en-US" sz="2000" dirty="0">
                 <a:solidFill>
-                  <a:schemeClr val="bg1">
-                    <a:lumMod val="75000"/>
-                  </a:schemeClr>
+                  <a:schemeClr val="bg1"/>
                 </a:solidFill>
                 <a:latin typeface="ONE 모바일POP OTF"/>
                 <a:ea typeface="ONE 모바일POP OTF"/>
@@ -12748,9 +12740,7 @@
             <a:r>
               <a:rPr lang="en-US" altLang="ko-KR" sz="2000" dirty="0">
                 <a:solidFill>
-                  <a:schemeClr val="bg1">
-                    <a:lumMod val="75000"/>
-                  </a:schemeClr>
+                  <a:schemeClr val="bg1"/>
                 </a:solidFill>
                 <a:latin typeface="ONE 모바일POP OTF"/>
                 <a:ea typeface="ONE 모바일POP OTF"/>
@@ -12760,9 +12750,7 @@
             <a:r>
               <a:rPr lang="ko-KR" altLang="en-US" sz="2000" dirty="0">
                 <a:solidFill>
-                  <a:schemeClr val="bg1">
-                    <a:lumMod val="75000"/>
-                  </a:schemeClr>
+                  <a:schemeClr val="bg1"/>
                 </a:solidFill>
                 <a:latin typeface="ONE 모바일POP OTF"/>
                 <a:ea typeface="ONE 모바일POP OTF"/>
@@ -12771,9 +12759,7 @@
             </a:r>
             <a:endParaRPr lang="en-US" altLang="ko-KR" sz="2000" dirty="0">
               <a:solidFill>
-                <a:schemeClr val="bg1">
-                  <a:lumMod val="75000"/>
-                </a:schemeClr>
+                <a:schemeClr val="bg1"/>
               </a:solidFill>
               <a:latin typeface="ONE 모바일POP OTF"/>
               <a:ea typeface="ONE 모바일POP OTF"/>
@@ -12948,14 +12934,22 @@
                 <a:latin typeface="ONE 모바일POP OTF"/>
                 <a:ea typeface="ONE 모바일POP OTF"/>
               </a:rPr>
-              <a:t>), q</a:t>
-            </a:r>
-            <a:r>
-              <a:rPr lang="ko-KR" altLang="en-US" sz="2000" dirty="0">
-                <a:solidFill>
-                  <a:schemeClr val="bg1">
-                    <a:lumMod val="75000"/>
-                  </a:schemeClr>
+              <a:t>), </a:t>
+            </a:r>
+            <a:r>
+              <a:rPr lang="en-US" altLang="ko-KR" sz="2000" dirty="0">
+                <a:solidFill>
+                  <a:schemeClr val="bg1"/>
+                </a:solidFill>
+                <a:latin typeface="ONE 모바일POP OTF"/>
+                <a:ea typeface="ONE 모바일POP OTF"/>
+              </a:rPr>
+              <a:t>q</a:t>
+            </a:r>
+            <a:r>
+              <a:rPr lang="ko-KR" altLang="en-US" sz="2000" dirty="0">
+                <a:solidFill>
+                  <a:schemeClr val="bg1"/>
                 </a:solidFill>
                 <a:latin typeface="ONE 모바일POP OTF"/>
                 <a:ea typeface="ONE 모바일POP OTF"/>
@@ -12965,9 +12959,7 @@
             <a:r>
               <a:rPr lang="en-US" altLang="ko-KR" sz="2000" dirty="0">
                 <a:solidFill>
-                  <a:schemeClr val="bg1">
-                    <a:lumMod val="75000"/>
-                  </a:schemeClr>
+                  <a:schemeClr val="bg1"/>
                 </a:solidFill>
                 <a:latin typeface="ONE 모바일POP OTF"/>
                 <a:ea typeface="ONE 모바일POP OTF"/>
@@ -12977,9 +12969,7 @@
             <a:r>
               <a:rPr lang="ko-KR" altLang="en-US" sz="2000" dirty="0">
                 <a:solidFill>
-                  <a:schemeClr val="bg1">
-                    <a:lumMod val="75000"/>
-                  </a:schemeClr>
+                  <a:schemeClr val="bg1"/>
                 </a:solidFill>
                 <a:latin typeface="ONE 모바일POP OTF"/>
                 <a:ea typeface="ONE 모바일POP OTF"/>
@@ -12989,9 +12979,7 @@
             <a:r>
               <a:rPr lang="en-US" altLang="ko-KR" sz="2000" dirty="0">
                 <a:solidFill>
-                  <a:schemeClr val="bg1">
-                    <a:lumMod val="75000"/>
-                  </a:schemeClr>
+                  <a:schemeClr val="bg1"/>
                 </a:solidFill>
                 <a:latin typeface="ONE 모바일POP OTF"/>
                 <a:ea typeface="ONE 모바일POP OTF"/>
@@ -13001,9 +12989,7 @@
             <a:r>
               <a:rPr lang="ko-KR" altLang="en-US" sz="2000" dirty="0">
                 <a:solidFill>
-                  <a:schemeClr val="bg1">
-                    <a:lumMod val="75000"/>
-                  </a:schemeClr>
+                  <a:schemeClr val="bg1"/>
                 </a:solidFill>
                 <a:latin typeface="ONE 모바일POP OTF"/>
                 <a:ea typeface="ONE 모바일POP OTF"/>
@@ -13013,9 +12999,7 @@
             <a:r>
               <a:rPr lang="en-US" altLang="ko-KR" sz="2000" dirty="0">
                 <a:solidFill>
-                  <a:schemeClr val="bg1">
-                    <a:lumMod val="75000"/>
-                  </a:schemeClr>
+                  <a:schemeClr val="bg1"/>
                 </a:solidFill>
                 <a:latin typeface="ONE 모바일POP OTF"/>
                 <a:ea typeface="ONE 모바일POP OTF"/>
@@ -13025,9 +13009,7 @@
             <a:r>
               <a:rPr lang="ko-KR" altLang="en-US" sz="2000" dirty="0">
                 <a:solidFill>
-                  <a:schemeClr val="bg1">
-                    <a:lumMod val="75000"/>
-                  </a:schemeClr>
+                  <a:schemeClr val="bg1"/>
                 </a:solidFill>
                 <a:latin typeface="ONE 모바일POP OTF"/>
                 <a:ea typeface="ONE 모바일POP OTF"/>
@@ -13037,9 +13019,7 @@
             <a:r>
               <a:rPr lang="ko-KR" altLang="en-US" sz="2000" dirty="0" err="1">
                 <a:solidFill>
-                  <a:schemeClr val="bg1">
-                    <a:lumMod val="75000"/>
-                  </a:schemeClr>
+                  <a:schemeClr val="bg1"/>
                 </a:solidFill>
                 <a:latin typeface="ONE 모바일POP OTF"/>
                 <a:ea typeface="ONE 모바일POP OTF"/>
@@ -13049,14 +13029,32 @@
             <a:r>
               <a:rPr lang="ko-KR" altLang="en-US" sz="2000" dirty="0">
                 <a:solidFill>
-                  <a:schemeClr val="bg1">
-                    <a:lumMod val="75000"/>
-                  </a:schemeClr>
+                  <a:schemeClr val="bg1"/>
                 </a:solidFill>
                 <a:latin typeface="ONE 모바일POP OTF"/>
                 <a:ea typeface="ONE 모바일POP OTF"/>
               </a:rPr>
               <a:t> 원래대로 되돌아오기</a:t>
+            </a:r>
+            <a:r>
+              <a:rPr lang="en-US" altLang="ko-KR" sz="2000" dirty="0">
+                <a:solidFill>
+                  <a:schemeClr val="bg1"/>
+                </a:solidFill>
+                <a:latin typeface="ONE 모바일POP OTF"/>
+                <a:ea typeface="ONE 모바일POP OTF"/>
+              </a:rPr>
+              <a:t>, </a:t>
+            </a:r>
+            <a:r>
+              <a:rPr lang="ko-KR" altLang="en-US" sz="2000" dirty="0">
+                <a:solidFill>
+                  <a:schemeClr val="bg1"/>
+                </a:solidFill>
+                <a:latin typeface="ONE 모바일POP OTF"/>
+                <a:ea typeface="ONE 모바일POP OTF"/>
+              </a:rPr>
+              <a:t>스킬 잠그기 및 잠그기 해제</a:t>
             </a:r>
           </a:p>
           <a:p>
@@ -13337,42 +13335,6 @@
               </a:rPr>
               <a:t>키를 눌러 일시정지 및 다시 눌러 게임 재개</a:t>
             </a:r>
-            <a:r>
-              <a:rPr lang="en-US" altLang="ko-KR" sz="2000" dirty="0">
-                <a:solidFill>
-                  <a:schemeClr val="bg2"/>
-                </a:solidFill>
-                <a:latin typeface="ONE 모바일POP OTF"/>
-                <a:ea typeface="ONE 모바일POP OTF"/>
-              </a:rPr>
-              <a:t>. </a:t>
-            </a:r>
-            <a:r>
-              <a:rPr lang="ko-KR" altLang="en-US" sz="2000" dirty="0">
-                <a:solidFill>
-                  <a:schemeClr val="bg1">
-                    <a:lumMod val="75000"/>
-                  </a:schemeClr>
-                </a:solidFill>
-                <a:latin typeface="ONE 모바일POP OTF"/>
-                <a:ea typeface="ONE 모바일POP OTF"/>
-              </a:rPr>
-              <a:t>별을 그릴 때는 일정 시간 이상을 목표 지점 위치에 그려야 별 그리기 작업이 완료</a:t>
-            </a:r>
-            <a:endParaRPr lang="en-US" altLang="ko-KR" sz="2400" dirty="0">
-              <a:solidFill>
-                <a:schemeClr val="bg1">
-                  <a:lumMod val="75000"/>
-                </a:schemeClr>
-              </a:solidFill>
-              <a:latin typeface="ONE 모바일POP OTF"/>
-              <a:ea typeface="ONE 모바일POP OTF"/>
-            </a:endParaRPr>
-          </a:p>
-          <a:p>
-            <a:pPr lvl="0">
-              <a:defRPr lang="ko-KR" altLang="en-US"/>
-            </a:pPr>
             <a:endParaRPr lang="en-US" altLang="ko-KR" sz="2400" dirty="0">
               <a:solidFill>
                 <a:schemeClr val="bg1">

--- a/2018180040 - 2DGP 3차 발표 프레젠테이션.pptx
+++ b/2018180040 - 2DGP 3차 발표 프레젠테이션.pptx
@@ -224,7 +224,7 @@
               <a:pPr lvl="0">
                 <a:defRPr lang="ko-KR" altLang="en-US"/>
               </a:pPr>
-              <a:t>2022-11-10</a:t>
+              <a:t>2022-11-14</a:t>
             </a:fld>
             <a:endParaRPr lang="ko-KR" altLang="en-US"/>
           </a:p>
@@ -784,7 +784,7 @@
           <a:p>
             <a:fld id="{5DEF9E08-89F7-4BEF-8B6A-F0B3DC75C2BF}" type="datetimeFigureOut">
               <a:rPr lang="ko-KR" altLang="en-US" smtClean="0"/>
-              <a:t>2022-11-10</a:t>
+              <a:t>2022-11-14</a:t>
             </a:fld>
             <a:endParaRPr lang="ko-KR" altLang="en-US"/>
           </a:p>
@@ -2588,7 +2588,7 @@
           <a:p>
             <a:fld id="{5DEF9E08-89F7-4BEF-8B6A-F0B3DC75C2BF}" type="datetimeFigureOut">
               <a:rPr lang="ko-KR" altLang="en-US" smtClean="0"/>
-              <a:t>2022-11-10</a:t>
+              <a:t>2022-11-14</a:t>
             </a:fld>
             <a:endParaRPr lang="ko-KR" altLang="en-US"/>
           </a:p>
@@ -2768,7 +2768,7 @@
           <a:p>
             <a:fld id="{5DEF9E08-89F7-4BEF-8B6A-F0B3DC75C2BF}" type="datetimeFigureOut">
               <a:rPr lang="ko-KR" altLang="en-US" smtClean="0"/>
-              <a:t>2022-11-10</a:t>
+              <a:t>2022-11-14</a:t>
             </a:fld>
             <a:endParaRPr lang="ko-KR" altLang="en-US"/>
           </a:p>
@@ -2943,7 +2943,7 @@
           <a:p>
             <a:fld id="{5DEF9E08-89F7-4BEF-8B6A-F0B3DC75C2BF}" type="datetimeFigureOut">
               <a:rPr lang="ko-KR" altLang="en-US" smtClean="0"/>
-              <a:t>2022-11-10</a:t>
+              <a:t>2022-11-14</a:t>
             </a:fld>
             <a:endParaRPr lang="ko-KR" altLang="en-US"/>
           </a:p>
@@ -3191,7 +3191,7 @@
           <a:p>
             <a:fld id="{5DEF9E08-89F7-4BEF-8B6A-F0B3DC75C2BF}" type="datetimeFigureOut">
               <a:rPr lang="ko-KR" altLang="en-US" smtClean="0"/>
-              <a:t>2022-11-10</a:t>
+              <a:t>2022-11-14</a:t>
             </a:fld>
             <a:endParaRPr lang="ko-KR" altLang="en-US"/>
           </a:p>
@@ -5113,7 +5113,7 @@
           <a:p>
             <a:fld id="{5DEF9E08-89F7-4BEF-8B6A-F0B3DC75C2BF}" type="datetimeFigureOut">
               <a:rPr lang="ko-KR" altLang="en-US" smtClean="0"/>
-              <a:t>2022-11-10</a:t>
+              <a:t>2022-11-14</a:t>
             </a:fld>
             <a:endParaRPr lang="ko-KR" altLang="en-US"/>
           </a:p>
@@ -5549,7 +5549,7 @@
           <a:p>
             <a:fld id="{5DEF9E08-89F7-4BEF-8B6A-F0B3DC75C2BF}" type="datetimeFigureOut">
               <a:rPr lang="ko-KR" altLang="en-US" smtClean="0"/>
-              <a:t>2022-11-10</a:t>
+              <a:t>2022-11-14</a:t>
             </a:fld>
             <a:endParaRPr lang="ko-KR" altLang="en-US"/>
           </a:p>
@@ -5667,7 +5667,7 @@
           <a:p>
             <a:fld id="{5DEF9E08-89F7-4BEF-8B6A-F0B3DC75C2BF}" type="datetimeFigureOut">
               <a:rPr lang="ko-KR" altLang="en-US" smtClean="0"/>
-              <a:t>2022-11-10</a:t>
+              <a:t>2022-11-14</a:t>
             </a:fld>
             <a:endParaRPr lang="ko-KR" altLang="en-US"/>
           </a:p>
@@ -5762,7 +5762,7 @@
           <a:p>
             <a:fld id="{5DEF9E08-89F7-4BEF-8B6A-F0B3DC75C2BF}" type="datetimeFigureOut">
               <a:rPr lang="ko-KR" altLang="en-US" smtClean="0"/>
-              <a:t>2022-11-10</a:t>
+              <a:t>2022-11-14</a:t>
             </a:fld>
             <a:endParaRPr lang="ko-KR" altLang="en-US"/>
           </a:p>
@@ -6059,7 +6059,7 @@
           <a:p>
             <a:fld id="{5DEF9E08-89F7-4BEF-8B6A-F0B3DC75C2BF}" type="datetimeFigureOut">
               <a:rPr lang="ko-KR" altLang="en-US" smtClean="0"/>
-              <a:t>2022-11-10</a:t>
+              <a:t>2022-11-14</a:t>
             </a:fld>
             <a:endParaRPr lang="ko-KR" altLang="en-US"/>
           </a:p>
@@ -6331,7 +6331,7 @@
           <a:p>
             <a:fld id="{5DEF9E08-89F7-4BEF-8B6A-F0B3DC75C2BF}" type="datetimeFigureOut">
               <a:rPr lang="ko-KR" altLang="en-US" smtClean="0"/>
-              <a:t>2022-11-10</a:t>
+              <a:t>2022-11-14</a:t>
             </a:fld>
             <a:endParaRPr lang="ko-KR" altLang="en-US"/>
           </a:p>
@@ -9444,7 +9444,7 @@
           <a:p>
             <a:fld id="{5DEF9E08-89F7-4BEF-8B6A-F0B3DC75C2BF}" type="datetimeFigureOut">
               <a:rPr lang="ko-KR" altLang="en-US" smtClean="0"/>
-              <a:t>2022-11-10</a:t>
+              <a:t>2022-11-14</a:t>
             </a:fld>
             <a:endParaRPr lang="ko-KR" altLang="en-US"/>
           </a:p>
@@ -11148,9 +11148,7 @@
             <a:r>
               <a:rPr lang="ko-KR" altLang="en-US" sz="2000" dirty="0">
                 <a:solidFill>
-                  <a:schemeClr val="bg1">
-                    <a:lumMod val="75000"/>
-                  </a:schemeClr>
+                  <a:schemeClr val="bg1"/>
                 </a:solidFill>
                 <a:latin typeface="ONE 모바일POP OTF"/>
                 <a:ea typeface="ONE 모바일POP OTF"/>
@@ -11160,9 +11158,7 @@
             <a:r>
               <a:rPr lang="en-US" altLang="ko-KR" sz="2000" dirty="0">
                 <a:solidFill>
-                  <a:schemeClr val="bg1">
-                    <a:lumMod val="75000"/>
-                  </a:schemeClr>
+                  <a:schemeClr val="bg1"/>
                 </a:solidFill>
                 <a:latin typeface="ONE 모바일POP OTF"/>
                 <a:ea typeface="ONE 모바일POP OTF"/>
@@ -11172,9 +11168,7 @@
             <a:r>
               <a:rPr lang="ko-KR" altLang="en-US" sz="2000" dirty="0">
                 <a:solidFill>
-                  <a:schemeClr val="bg1">
-                    <a:lumMod val="75000"/>
-                  </a:schemeClr>
+                  <a:schemeClr val="bg1"/>
                 </a:solidFill>
                 <a:latin typeface="ONE 모바일POP OTF"/>
                 <a:ea typeface="ONE 모바일POP OTF"/>
@@ -11311,7 +11305,7 @@
                 <a:latin typeface="ONE 모바일POP OTF"/>
                 <a:ea typeface="ONE 모바일POP OTF"/>
               </a:rPr>
-              <a:t> &lt;- 5</a:t>
+              <a:t> - 5</a:t>
             </a:r>
             <a:r>
               <a:rPr lang="ko-KR" altLang="en-US" sz="2000" dirty="0">
@@ -11458,19 +11452,19 @@
                 <a:latin typeface="ONE 모바일POP OTF"/>
                 <a:ea typeface="ONE 모바일POP OTF"/>
               </a:rPr>
-              <a:t>완료  </a:t>
-            </a:r>
-            <a:r>
-              <a:rPr lang="en-US" altLang="ko-KR" sz="2000" dirty="0">
-                <a:solidFill>
-                  <a:schemeClr val="bg1">
-                    <a:lumMod val="75000"/>
-                  </a:schemeClr>
-                </a:solidFill>
-                <a:latin typeface="ONE 모바일POP OTF"/>
-                <a:ea typeface="ONE 모바일POP OTF"/>
-              </a:rPr>
-              <a:t>&lt;- 6</a:t>
+              <a:t>완료 </a:t>
+            </a:r>
+            <a:r>
+              <a:rPr lang="en-US" altLang="ko-KR" sz="2000" dirty="0">
+                <a:solidFill>
+                  <a:schemeClr val="bg1">
+                    <a:lumMod val="75000"/>
+                  </a:schemeClr>
+                </a:solidFill>
+                <a:latin typeface="ONE 모바일POP OTF"/>
+                <a:ea typeface="ONE 모바일POP OTF"/>
+              </a:rPr>
+              <a:t>- 6</a:t>
             </a:r>
             <a:r>
               <a:rPr lang="ko-KR" altLang="en-US" sz="2000" dirty="0">
@@ -11493,7 +11487,7 @@
             <a:r>
               <a:rPr lang="ko-KR" altLang="en-US" sz="2000" dirty="0">
                 <a:solidFill>
-                  <a:srgbClr val="FFFF00"/>
+                  <a:schemeClr val="bg2"/>
                 </a:solidFill>
                 <a:latin typeface="ONE 모바일POP OTF"/>
                 <a:ea typeface="ONE 모바일POP OTF"/>
@@ -11503,7 +11497,7 @@
             <a:r>
               <a:rPr lang="en-US" altLang="ko-KR" sz="2000" dirty="0">
                 <a:solidFill>
-                  <a:srgbClr val="FFFF00"/>
+                  <a:schemeClr val="bg2"/>
                 </a:solidFill>
                 <a:latin typeface="ONE 모바일POP OTF"/>
                 <a:ea typeface="ONE 모바일POP OTF"/>
@@ -11608,27 +11602,7 @@
                 <a:latin typeface="ONE 모바일POP OTF"/>
                 <a:ea typeface="ONE 모바일POP OTF"/>
               </a:rPr>
-              <a:t> 100</a:t>
-            </a:r>
-            <a:r>
-              <a:rPr lang="en-US" altLang="ko-KR" sz="2000" dirty="0">
-                <a:solidFill>
-                  <a:srgbClr val="FFFF00"/>
-                </a:solidFill>
-                <a:latin typeface="ONE 모바일POP OTF"/>
-                <a:ea typeface="ONE 모바일POP OTF"/>
-              </a:rPr>
-              <a:t>?</a:t>
-            </a:r>
-            <a:r>
-              <a:rPr lang="en-US" altLang="ko-KR" sz="2000" dirty="0">
-                <a:solidFill>
-                  <a:schemeClr val="bg2"/>
-                </a:solidFill>
-                <a:latin typeface="ONE 모바일POP OTF"/>
-                <a:ea typeface="ONE 모바일POP OTF"/>
-              </a:rPr>
-              <a:t>% </a:t>
+              <a:t> 100% </a:t>
             </a:r>
             <a:r>
               <a:rPr lang="ko-KR" altLang="en-US" sz="2000" dirty="0">
@@ -13601,9 +13575,7 @@
             <a:r>
               <a:rPr lang="ko-KR" altLang="en-US" sz="2000" dirty="0">
                 <a:solidFill>
-                  <a:schemeClr val="bg1">
-                    <a:lumMod val="75000"/>
-                  </a:schemeClr>
+                  <a:schemeClr val="bg1"/>
                 </a:solidFill>
                 <a:latin typeface="ONE 모바일POP OTF" panose="00000500000000000000" pitchFamily="50" charset="-127"/>
                 <a:ea typeface="ONE 모바일POP OTF" panose="00000500000000000000" pitchFamily="50" charset="-127"/>
@@ -13613,9 +13585,7 @@
             <a:r>
               <a:rPr lang="en-US" altLang="ko-KR" sz="2000" dirty="0">
                 <a:solidFill>
-                  <a:schemeClr val="bg1">
-                    <a:lumMod val="75000"/>
-                  </a:schemeClr>
+                  <a:schemeClr val="bg1"/>
                 </a:solidFill>
                 <a:latin typeface="ONE 모바일POP OTF" panose="00000500000000000000" pitchFamily="50" charset="-127"/>
                 <a:ea typeface="ONE 모바일POP OTF" panose="00000500000000000000" pitchFamily="50" charset="-127"/>
@@ -13625,9 +13595,7 @@
             <a:r>
               <a:rPr lang="ko-KR" altLang="en-US" sz="2000" dirty="0">
                 <a:solidFill>
-                  <a:schemeClr val="bg1">
-                    <a:lumMod val="75000"/>
-                  </a:schemeClr>
+                  <a:schemeClr val="bg1"/>
                 </a:solidFill>
                 <a:latin typeface="ONE 모바일POP OTF" panose="00000500000000000000" pitchFamily="50" charset="-127"/>
                 <a:ea typeface="ONE 모바일POP OTF" panose="00000500000000000000" pitchFamily="50" charset="-127"/>
@@ -13637,9 +13605,7 @@
             <a:r>
               <a:rPr lang="en-US" altLang="ko-KR" sz="2000" dirty="0">
                 <a:solidFill>
-                  <a:schemeClr val="bg1">
-                    <a:lumMod val="75000"/>
-                  </a:schemeClr>
+                  <a:schemeClr val="bg1"/>
                 </a:solidFill>
                 <a:latin typeface="ONE 모바일POP OTF" panose="00000500000000000000" pitchFamily="50" charset="-127"/>
                 <a:ea typeface="ONE 모바일POP OTF" panose="00000500000000000000" pitchFamily="50" charset="-127"/>
@@ -13745,9 +13711,7 @@
             <a:r>
               <a:rPr lang="ko-KR" altLang="en-US" sz="2000" dirty="0">
                 <a:solidFill>
-                  <a:schemeClr val="bg1">
-                    <a:lumMod val="75000"/>
-                  </a:schemeClr>
+                  <a:schemeClr val="bg1"/>
                 </a:solidFill>
                 <a:latin typeface="ONE 모바일POP OTF" panose="00000500000000000000" pitchFamily="50" charset="-127"/>
                 <a:ea typeface="ONE 모바일POP OTF" panose="00000500000000000000" pitchFamily="50" charset="-127"/>
@@ -13757,9 +13721,7 @@
             <a:r>
               <a:rPr lang="ko-KR" altLang="en-US" sz="2000" dirty="0" err="1">
                 <a:solidFill>
-                  <a:schemeClr val="bg1">
-                    <a:lumMod val="75000"/>
-                  </a:schemeClr>
+                  <a:schemeClr val="bg1"/>
                 </a:solidFill>
                 <a:latin typeface="ONE 모바일POP OTF" panose="00000500000000000000" pitchFamily="50" charset="-127"/>
                 <a:ea typeface="ONE 모바일POP OTF" panose="00000500000000000000" pitchFamily="50" charset="-127"/>
@@ -13769,9 +13731,7 @@
             <a:r>
               <a:rPr lang="ko-KR" altLang="en-US" sz="2000" dirty="0">
                 <a:solidFill>
-                  <a:schemeClr val="bg1">
-                    <a:lumMod val="75000"/>
-                  </a:schemeClr>
+                  <a:schemeClr val="bg1"/>
                 </a:solidFill>
                 <a:latin typeface="ONE 모바일POP OTF" panose="00000500000000000000" pitchFamily="50" charset="-127"/>
                 <a:ea typeface="ONE 모바일POP OTF" panose="00000500000000000000" pitchFamily="50" charset="-127"/>
@@ -13781,9 +13741,7 @@
             <a:r>
               <a:rPr lang="en-US" altLang="ko-KR" sz="2000" dirty="0">
                 <a:solidFill>
-                  <a:schemeClr val="bg1">
-                    <a:lumMod val="75000"/>
-                  </a:schemeClr>
+                  <a:schemeClr val="bg1"/>
                 </a:solidFill>
                 <a:latin typeface="ONE 모바일POP OTF" panose="00000500000000000000" pitchFamily="50" charset="-127"/>
                 <a:ea typeface="ONE 모바일POP OTF" panose="00000500000000000000" pitchFamily="50" charset="-127"/>
@@ -13793,9 +13751,7 @@
             <a:r>
               <a:rPr lang="ko-KR" altLang="en-US" sz="2000" dirty="0">
                 <a:solidFill>
-                  <a:schemeClr val="bg1">
-                    <a:lumMod val="75000"/>
-                  </a:schemeClr>
+                  <a:schemeClr val="bg1"/>
                 </a:solidFill>
                 <a:latin typeface="ONE 모바일POP OTF" panose="00000500000000000000" pitchFamily="50" charset="-127"/>
                 <a:ea typeface="ONE 모바일POP OTF" panose="00000500000000000000" pitchFamily="50" charset="-127"/>
@@ -13805,9 +13761,7 @@
             <a:r>
               <a:rPr lang="en-US" altLang="ko-KR" sz="2000" dirty="0">
                 <a:solidFill>
-                  <a:schemeClr val="bg1">
-                    <a:lumMod val="75000"/>
-                  </a:schemeClr>
+                  <a:schemeClr val="bg1"/>
                 </a:solidFill>
                 <a:latin typeface="ONE 모바일POP OTF" panose="00000500000000000000" pitchFamily="50" charset="-127"/>
                 <a:ea typeface="ONE 모바일POP OTF" panose="00000500000000000000" pitchFamily="50" charset="-127"/>
@@ -13817,9 +13771,7 @@
             <a:r>
               <a:rPr lang="ko-KR" altLang="en-US" sz="2000" dirty="0">
                 <a:solidFill>
-                  <a:schemeClr val="bg1">
-                    <a:lumMod val="75000"/>
-                  </a:schemeClr>
+                  <a:schemeClr val="bg1"/>
                 </a:solidFill>
                 <a:latin typeface="ONE 모바일POP OTF" panose="00000500000000000000" pitchFamily="50" charset="-127"/>
                 <a:ea typeface="ONE 모바일POP OTF" panose="00000500000000000000" pitchFamily="50" charset="-127"/>
@@ -13829,9 +13781,7 @@
             <a:r>
               <a:rPr lang="en-US" altLang="ko-KR" sz="2000" dirty="0">
                 <a:solidFill>
-                  <a:schemeClr val="bg1">
-                    <a:lumMod val="75000"/>
-                  </a:schemeClr>
+                  <a:schemeClr val="bg1"/>
                 </a:solidFill>
                 <a:latin typeface="ONE 모바일POP OTF" panose="00000500000000000000" pitchFamily="50" charset="-127"/>
                 <a:ea typeface="ONE 모바일POP OTF" panose="00000500000000000000" pitchFamily="50" charset="-127"/>
@@ -13841,9 +13791,7 @@
             <a:r>
               <a:rPr lang="ko-KR" altLang="en-US" sz="2000" dirty="0">
                 <a:solidFill>
-                  <a:schemeClr val="bg1">
-                    <a:lumMod val="75000"/>
-                  </a:schemeClr>
+                  <a:schemeClr val="bg1"/>
                 </a:solidFill>
                 <a:latin typeface="ONE 모바일POP OTF" panose="00000500000000000000" pitchFamily="50" charset="-127"/>
                 <a:ea typeface="ONE 모바일POP OTF" panose="00000500000000000000" pitchFamily="50" charset="-127"/>

--- a/2018180040 - 2DGP 3차 발표 프레젠테이션.pptx
+++ b/2018180040 - 2DGP 3차 발표 프레젠테이션.pptx
@@ -15123,7 +15123,7 @@
               <a:buNone/>
             </a:pPr>
             <a:r>
-              <a:rPr lang="en-US" altLang="ko-KR" sz="2000" dirty="0">
+              <a:rPr lang="en-US" altLang="ko-KR" sz="2000">
                 <a:solidFill>
                   <a:schemeClr val="bg1">
                     <a:lumMod val="75000"/>
@@ -15135,7 +15135,7 @@
               <a:t>- </a:t>
             </a:r>
             <a:r>
-              <a:rPr lang="ko-KR" altLang="en-US" sz="2000" dirty="0">
+              <a:rPr lang="ko-KR" altLang="en-US" sz="2000">
                 <a:solidFill>
                   <a:schemeClr val="bg1">
                     <a:lumMod val="75000"/>
@@ -15156,53 +15156,8 @@
                 <a:latin typeface="ONE 모바일POP OTF" panose="00000500000000000000" pitchFamily="50" charset="-127"/>
                 <a:ea typeface="ONE 모바일POP OTF" panose="00000500000000000000" pitchFamily="50" charset="-127"/>
               </a:rPr>
-              <a:t>1 : 3</a:t>
-            </a:r>
-            <a:r>
-              <a:rPr lang="ko-KR" altLang="en-US" sz="2000" dirty="0">
-                <a:solidFill>
-                  <a:schemeClr val="bg1">
-                    <a:lumMod val="75000"/>
-                  </a:schemeClr>
-                </a:solidFill>
-                <a:latin typeface="ONE 모바일POP OTF" panose="00000500000000000000" pitchFamily="50" charset="-127"/>
-                <a:ea typeface="ONE 모바일POP OTF" panose="00000500000000000000" pitchFamily="50" charset="-127"/>
-              </a:rPr>
-              <a:t>지역에서 처음으로 </a:t>
-            </a:r>
-            <a:r>
-              <a:rPr lang="en-US" altLang="ko-KR" sz="2000" dirty="0">
-                <a:solidFill>
-                  <a:schemeClr val="bg1">
-                    <a:lumMod val="75000"/>
-                  </a:schemeClr>
-                </a:solidFill>
-                <a:latin typeface="ONE 모바일POP OTF" panose="00000500000000000000" pitchFamily="50" charset="-127"/>
-                <a:ea typeface="ONE 모바일POP OTF" panose="00000500000000000000" pitchFamily="50" charset="-127"/>
-              </a:rPr>
-              <a:t>// </a:t>
-            </a:r>
-            <a:r>
-              <a:rPr lang="ko-KR" altLang="en-US" sz="2000" dirty="0">
-                <a:solidFill>
-                  <a:schemeClr val="bg1">
-                    <a:lumMod val="75000"/>
-                  </a:schemeClr>
-                </a:solidFill>
-                <a:latin typeface="ONE 모바일POP OTF" panose="00000500000000000000" pitchFamily="50" charset="-127"/>
-                <a:ea typeface="ONE 모바일POP OTF" panose="00000500000000000000" pitchFamily="50" charset="-127"/>
-              </a:rPr>
-              <a:t>예정</a:t>
-            </a:r>
-            <a:endParaRPr lang="en-US" altLang="ko-KR" sz="2000" dirty="0">
-              <a:solidFill>
-                <a:schemeClr val="bg1">
-                  <a:lumMod val="75000"/>
-                </a:schemeClr>
-              </a:solidFill>
-              <a:latin typeface="ONE 모바일POP OTF" panose="00000500000000000000" pitchFamily="50" charset="-127"/>
-              <a:ea typeface="ONE 모바일POP OTF" panose="00000500000000000000" pitchFamily="50" charset="-127"/>
-            </a:endParaRPr>
+              <a:t>1 : </a:t>
+            </a:r>
           </a:p>
           <a:p>
             <a:pPr marL="0" indent="0">

--- a/2018180040 - 2DGP 3차 발표 프레젠테이션.pptx
+++ b/2018180040 - 2DGP 3차 발표 프레젠테이션.pptx
@@ -224,7 +224,7 @@
               <a:pPr lvl="0">
                 <a:defRPr lang="ko-KR" altLang="en-US"/>
               </a:pPr>
-              <a:t>2022-11-14</a:t>
+              <a:t>2022-11-18</a:t>
             </a:fld>
             <a:endParaRPr lang="ko-KR" altLang="en-US"/>
           </a:p>
@@ -784,7 +784,7 @@
           <a:p>
             <a:fld id="{5DEF9E08-89F7-4BEF-8B6A-F0B3DC75C2BF}" type="datetimeFigureOut">
               <a:rPr lang="ko-KR" altLang="en-US" smtClean="0"/>
-              <a:t>2022-11-14</a:t>
+              <a:t>2022-11-18</a:t>
             </a:fld>
             <a:endParaRPr lang="ko-KR" altLang="en-US"/>
           </a:p>
@@ -2588,7 +2588,7 @@
           <a:p>
             <a:fld id="{5DEF9E08-89F7-4BEF-8B6A-F0B3DC75C2BF}" type="datetimeFigureOut">
               <a:rPr lang="ko-KR" altLang="en-US" smtClean="0"/>
-              <a:t>2022-11-14</a:t>
+              <a:t>2022-11-18</a:t>
             </a:fld>
             <a:endParaRPr lang="ko-KR" altLang="en-US"/>
           </a:p>
@@ -2768,7 +2768,7 @@
           <a:p>
             <a:fld id="{5DEF9E08-89F7-4BEF-8B6A-F0B3DC75C2BF}" type="datetimeFigureOut">
               <a:rPr lang="ko-KR" altLang="en-US" smtClean="0"/>
-              <a:t>2022-11-14</a:t>
+              <a:t>2022-11-18</a:t>
             </a:fld>
             <a:endParaRPr lang="ko-KR" altLang="en-US"/>
           </a:p>
@@ -2943,7 +2943,7 @@
           <a:p>
             <a:fld id="{5DEF9E08-89F7-4BEF-8B6A-F0B3DC75C2BF}" type="datetimeFigureOut">
               <a:rPr lang="ko-KR" altLang="en-US" smtClean="0"/>
-              <a:t>2022-11-14</a:t>
+              <a:t>2022-11-18</a:t>
             </a:fld>
             <a:endParaRPr lang="ko-KR" altLang="en-US"/>
           </a:p>
@@ -3191,7 +3191,7 @@
           <a:p>
             <a:fld id="{5DEF9E08-89F7-4BEF-8B6A-F0B3DC75C2BF}" type="datetimeFigureOut">
               <a:rPr lang="ko-KR" altLang="en-US" smtClean="0"/>
-              <a:t>2022-11-14</a:t>
+              <a:t>2022-11-18</a:t>
             </a:fld>
             <a:endParaRPr lang="ko-KR" altLang="en-US"/>
           </a:p>
@@ -5113,7 +5113,7 @@
           <a:p>
             <a:fld id="{5DEF9E08-89F7-4BEF-8B6A-F0B3DC75C2BF}" type="datetimeFigureOut">
               <a:rPr lang="ko-KR" altLang="en-US" smtClean="0"/>
-              <a:t>2022-11-14</a:t>
+              <a:t>2022-11-18</a:t>
             </a:fld>
             <a:endParaRPr lang="ko-KR" altLang="en-US"/>
           </a:p>
@@ -5549,7 +5549,7 @@
           <a:p>
             <a:fld id="{5DEF9E08-89F7-4BEF-8B6A-F0B3DC75C2BF}" type="datetimeFigureOut">
               <a:rPr lang="ko-KR" altLang="en-US" smtClean="0"/>
-              <a:t>2022-11-14</a:t>
+              <a:t>2022-11-18</a:t>
             </a:fld>
             <a:endParaRPr lang="ko-KR" altLang="en-US"/>
           </a:p>
@@ -5667,7 +5667,7 @@
           <a:p>
             <a:fld id="{5DEF9E08-89F7-4BEF-8B6A-F0B3DC75C2BF}" type="datetimeFigureOut">
               <a:rPr lang="ko-KR" altLang="en-US" smtClean="0"/>
-              <a:t>2022-11-14</a:t>
+              <a:t>2022-11-18</a:t>
             </a:fld>
             <a:endParaRPr lang="ko-KR" altLang="en-US"/>
           </a:p>
@@ -5762,7 +5762,7 @@
           <a:p>
             <a:fld id="{5DEF9E08-89F7-4BEF-8B6A-F0B3DC75C2BF}" type="datetimeFigureOut">
               <a:rPr lang="ko-KR" altLang="en-US" smtClean="0"/>
-              <a:t>2022-11-14</a:t>
+              <a:t>2022-11-18</a:t>
             </a:fld>
             <a:endParaRPr lang="ko-KR" altLang="en-US"/>
           </a:p>
@@ -6059,7 +6059,7 @@
           <a:p>
             <a:fld id="{5DEF9E08-89F7-4BEF-8B6A-F0B3DC75C2BF}" type="datetimeFigureOut">
               <a:rPr lang="ko-KR" altLang="en-US" smtClean="0"/>
-              <a:t>2022-11-14</a:t>
+              <a:t>2022-11-18</a:t>
             </a:fld>
             <a:endParaRPr lang="ko-KR" altLang="en-US"/>
           </a:p>
@@ -6331,7 +6331,7 @@
           <a:p>
             <a:fld id="{5DEF9E08-89F7-4BEF-8B6A-F0B3DC75C2BF}" type="datetimeFigureOut">
               <a:rPr lang="ko-KR" altLang="en-US" smtClean="0"/>
-              <a:t>2022-11-14</a:t>
+              <a:t>2022-11-18</a:t>
             </a:fld>
             <a:endParaRPr lang="ko-KR" altLang="en-US"/>
           </a:p>
@@ -9444,7 +9444,7 @@
           <a:p>
             <a:fld id="{5DEF9E08-89F7-4BEF-8B6A-F0B3DC75C2BF}" type="datetimeFigureOut">
               <a:rPr lang="ko-KR" altLang="en-US" smtClean="0"/>
-              <a:t>2022-11-14</a:t>
+              <a:t>2022-11-18</a:t>
             </a:fld>
             <a:endParaRPr lang="ko-KR" altLang="en-US"/>
           </a:p>
@@ -10927,11 +10927,31 @@
             <a:r>
               <a:rPr lang="en-US" altLang="ko-KR" sz="2000" dirty="0">
                 <a:solidFill>
+                  <a:schemeClr val="bg2"/>
+                </a:solidFill>
+                <a:latin typeface="ONE 모바일POP OTF"/>
+                <a:ea typeface="ONE 모바일POP OTF"/>
+              </a:rPr>
+              <a:t>, </a:t>
+            </a:r>
+            <a:r>
+              <a:rPr lang="ko-KR" altLang="en-US" sz="2000" dirty="0">
+                <a:solidFill>
                   <a:schemeClr val="bg1"/>
                 </a:solidFill>
                 <a:latin typeface="ONE 모바일POP OTF"/>
                 <a:ea typeface="ONE 모바일POP OTF"/>
               </a:rPr>
+              <a:t>별의 기억</a:t>
+            </a:r>
+            <a:r>
+              <a:rPr lang="en-US" altLang="ko-KR" sz="2000" dirty="0">
+                <a:solidFill>
+                  <a:schemeClr val="bg1"/>
+                </a:solidFill>
+                <a:latin typeface="ONE 모바일POP OTF"/>
+                <a:ea typeface="ONE 모바일POP OTF"/>
+              </a:rPr>
               <a:t>, </a:t>
             </a:r>
             <a:r>
@@ -10942,7 +10962,7 @@
                 <a:latin typeface="ONE 모바일POP OTF"/>
                 <a:ea typeface="ONE 모바일POP OTF"/>
               </a:rPr>
-              <a:t>별의 기억</a:t>
+              <a:t>별</a:t>
             </a:r>
             <a:r>
               <a:rPr lang="en-US" altLang="ko-KR" sz="2000" dirty="0">
@@ -10957,42 +10977,12 @@
             <a:r>
               <a:rPr lang="ko-KR" altLang="en-US" sz="2000" dirty="0">
                 <a:solidFill>
-                  <a:srgbClr val="FFFF00"/>
-                </a:solidFill>
-                <a:latin typeface="ONE 모바일POP OTF"/>
-                <a:ea typeface="ONE 모바일POP OTF"/>
-              </a:rPr>
-              <a:t>별</a:t>
-            </a:r>
-            <a:r>
-              <a:rPr lang="en-US" altLang="ko-KR" sz="2000" dirty="0">
-                <a:solidFill>
-                  <a:srgbClr val="FFFF00"/>
-                </a:solidFill>
-                <a:latin typeface="ONE 모바일POP OTF"/>
-                <a:ea typeface="ONE 모바일POP OTF"/>
-              </a:rPr>
-              <a:t>, </a:t>
-            </a:r>
-            <a:r>
-              <a:rPr lang="ko-KR" altLang="en-US" sz="2000" dirty="0">
-                <a:solidFill>
-                  <a:srgbClr val="FFFF00"/>
-                </a:solidFill>
-                <a:latin typeface="ONE 모바일POP OTF"/>
-                <a:ea typeface="ONE 모바일POP OTF"/>
-              </a:rPr>
-              <a:t>목표 지점 </a:t>
-            </a:r>
-            <a:r>
-              <a:rPr lang="ko-KR" altLang="en-US" sz="2000" dirty="0">
-                <a:solidFill>
                   <a:schemeClr val="bg1"/>
                 </a:solidFill>
                 <a:latin typeface="ONE 모바일POP OTF"/>
                 <a:ea typeface="ONE 모바일POP OTF"/>
               </a:rPr>
-              <a:t>: </a:t>
+              <a:t>목표 지점 : </a:t>
             </a:r>
             <a:r>
               <a:rPr lang="en-US" altLang="ko-KR" sz="2000" dirty="0">
@@ -11002,47 +10992,18 @@
                 <a:latin typeface="ONE 모바일POP OTF"/>
                 <a:ea typeface="ONE 모바일POP OTF"/>
               </a:rPr>
-              <a:t>70</a:t>
-            </a:r>
-            <a:r>
-              <a:rPr lang="en-US" altLang="ko-KR" sz="2000" dirty="0">
-                <a:solidFill>
-                  <a:srgbClr val="FFFF00"/>
-                </a:solidFill>
-                <a:latin typeface="ONE 모바일POP OTF"/>
-                <a:ea typeface="ONE 모바일POP OTF"/>
-              </a:rPr>
-              <a:t>?</a:t>
-            </a:r>
-            <a:r>
-              <a:rPr lang="en-US" altLang="ko-KR" sz="2000" dirty="0">
+              <a:t>100?% </a:t>
+            </a:r>
+            <a:r>
+              <a:rPr lang="ko-KR" altLang="en-US" sz="2000" dirty="0">
                 <a:solidFill>
                   <a:schemeClr val="bg1"/>
                 </a:solidFill>
                 <a:latin typeface="ONE 모바일POP OTF"/>
                 <a:ea typeface="ONE 모바일POP OTF"/>
               </a:rPr>
-              <a:t>% </a:t>
-            </a:r>
-            <a:r>
-              <a:rPr lang="ko-KR" altLang="en-US" sz="2000" dirty="0">
-                <a:solidFill>
-                  <a:schemeClr val="bg1"/>
-                </a:solidFill>
-                <a:latin typeface="ONE 모바일POP OTF"/>
-                <a:ea typeface="ONE 모바일POP OTF"/>
-              </a:rPr>
               <a:t>완료 </a:t>
             </a:r>
-            <a:endParaRPr lang="ko-KR" altLang="en-US" sz="2000" dirty="0">
-              <a:solidFill>
-                <a:schemeClr val="bg1">
-                  <a:lumMod val="75000"/>
-                </a:schemeClr>
-              </a:solidFill>
-              <a:latin typeface="ONE 모바일POP OTF"/>
-              <a:ea typeface="ONE 모바일POP OTF"/>
-            </a:endParaRPr>
           </a:p>
           <a:p>
             <a:pPr lvl="0">
@@ -11078,46 +11039,6 @@
                 <a:ea typeface="ONE 모바일POP OTF"/>
               </a:rPr>
               <a:t>완료 </a:t>
-            </a:r>
-            <a:r>
-              <a:rPr lang="en-US" altLang="ko-KR" sz="2000" dirty="0">
-                <a:solidFill>
-                  <a:srgbClr val="FFFF00"/>
-                </a:solidFill>
-                <a:latin typeface="ONE 모바일POP OTF"/>
-                <a:ea typeface="ONE 모바일POP OTF"/>
-              </a:rPr>
-              <a:t>(</a:t>
-            </a:r>
-            <a:r>
-              <a:rPr lang="ko-KR" altLang="en-US" sz="2000" dirty="0">
-                <a:solidFill>
-                  <a:srgbClr val="FFFF00"/>
-                </a:solidFill>
-                <a:latin typeface="ONE 모바일POP OTF"/>
-                <a:ea typeface="ONE 모바일POP OTF"/>
-              </a:rPr>
-              <a:t>임시 그림</a:t>
-            </a:r>
-            <a:r>
-              <a:rPr lang="en-US" altLang="ko-KR" sz="2000" dirty="0">
-                <a:solidFill>
-                  <a:srgbClr val="FFFF00"/>
-                </a:solidFill>
-                <a:latin typeface="ONE 모바일POP OTF"/>
-                <a:ea typeface="ONE 모바일POP OTF"/>
-              </a:rPr>
-              <a:t>)</a:t>
-            </a:r>
-            <a:r>
-              <a:rPr lang="en-US" altLang="ko-KR" sz="2000" dirty="0">
-                <a:solidFill>
-                  <a:schemeClr val="bg1"/>
-                </a:solidFill>
-                <a:latin typeface="ONE 모바일POP OTF"/>
-                <a:ea typeface="ONE 모바일POP OTF"/>
-              </a:rPr>
-              <a:t> </a:t>
             </a:r>
             <a:r>
               <a:rPr lang="en-US" altLang="ko-KR" sz="2000" dirty="0">
@@ -12050,7 +11971,7 @@
                 <a:latin typeface="ONE 모바일POP OTF"/>
                 <a:ea typeface="ONE 모바일POP OTF"/>
               </a:rPr>
-              <a:t>?</a:t>
+              <a:t>20</a:t>
             </a:r>
             <a:r>
               <a:rPr lang="en-US" altLang="ko-KR" sz="2000" dirty="0">
@@ -12085,9 +12006,7 @@
             <a:r>
               <a:rPr lang="ko-KR" altLang="en-US" sz="2000" dirty="0">
                 <a:solidFill>
-                  <a:schemeClr val="bg1">
-                    <a:lumMod val="75000"/>
-                  </a:schemeClr>
+                  <a:schemeClr val="bg1"/>
                 </a:solidFill>
                 <a:latin typeface="ONE 모바일POP OTF"/>
                 <a:ea typeface="ONE 모바일POP OTF"/>
@@ -12097,9 +12016,7 @@
             <a:r>
               <a:rPr lang="en-US" altLang="ko-KR" sz="2000" dirty="0">
                 <a:solidFill>
-                  <a:schemeClr val="bg1">
-                    <a:lumMod val="75000"/>
-                  </a:schemeClr>
+                  <a:schemeClr val="bg1"/>
                 </a:solidFill>
                 <a:latin typeface="ONE 모바일POP OTF"/>
                 <a:ea typeface="ONE 모바일POP OTF"/>
@@ -12109,9 +12026,7 @@
             <a:r>
               <a:rPr lang="ko-KR" altLang="en-US" sz="2000" dirty="0">
                 <a:solidFill>
-                  <a:schemeClr val="bg1">
-                    <a:lumMod val="75000"/>
-                  </a:schemeClr>
+                  <a:schemeClr val="bg1"/>
                 </a:solidFill>
                 <a:latin typeface="ONE 모바일POP OTF"/>
                 <a:ea typeface="ONE 모바일POP OTF"/>
@@ -12121,31 +12036,17 @@
             <a:r>
               <a:rPr lang="en-US" altLang="ko-KR" sz="2000" dirty="0">
                 <a:solidFill>
-                  <a:srgbClr val="FFFF00"/>
-                </a:solidFill>
-                <a:latin typeface="ONE 모바일POP OTF"/>
-                <a:ea typeface="ONE 모바일POP OTF"/>
-              </a:rPr>
-              <a:t>?</a:t>
-            </a:r>
-            <a:r>
-              <a:rPr lang="en-US" altLang="ko-KR" sz="2000" dirty="0">
-                <a:solidFill>
-                  <a:schemeClr val="bg1">
-                    <a:lumMod val="75000"/>
-                  </a:schemeClr>
-                </a:solidFill>
-                <a:latin typeface="ONE 모바일POP OTF"/>
-                <a:ea typeface="ONE 모바일POP OTF"/>
-              </a:rPr>
-              <a:t>% </a:t>
-            </a:r>
-            <a:r>
-              <a:rPr lang="ko-KR" altLang="en-US" sz="2000" dirty="0">
-                <a:solidFill>
-                  <a:schemeClr val="bg1">
-                    <a:lumMod val="75000"/>
-                  </a:schemeClr>
+                  <a:schemeClr val="bg1"/>
+                </a:solidFill>
+                <a:latin typeface="ONE 모바일POP OTF"/>
+                <a:ea typeface="ONE 모바일POP OTF"/>
+              </a:rPr>
+              <a:t>100% </a:t>
+            </a:r>
+            <a:r>
+              <a:rPr lang="ko-KR" altLang="en-US" sz="2000" dirty="0">
+                <a:solidFill>
+                  <a:schemeClr val="bg1"/>
                 </a:solidFill>
                 <a:latin typeface="ONE 모바일POP OTF"/>
                 <a:ea typeface="ONE 모바일POP OTF"/>
@@ -12848,55 +12749,7 @@
                 <a:latin typeface="ONE 모바일POP OTF"/>
                 <a:ea typeface="ONE 모바일POP OTF"/>
               </a:rPr>
-              <a:t>반짝임은 짧은 시간 무적 판정 </a:t>
-            </a:r>
-            <a:r>
-              <a:rPr lang="en-US" altLang="ko-KR" sz="2000" dirty="0">
-                <a:solidFill>
-                  <a:schemeClr val="bg1">
-                    <a:lumMod val="75000"/>
-                  </a:schemeClr>
-                </a:solidFill>
-                <a:latin typeface="ONE 모바일POP OTF"/>
-                <a:ea typeface="ONE 모바일POP OTF"/>
-              </a:rPr>
-              <a:t>: </a:t>
-            </a:r>
-            <a:r>
-              <a:rPr lang="ko-KR" altLang="en-US" sz="2000" dirty="0">
-                <a:solidFill>
-                  <a:schemeClr val="bg1">
-                    <a:lumMod val="75000"/>
-                  </a:schemeClr>
-                </a:solidFill>
-                <a:latin typeface="ONE 모바일POP OTF"/>
-                <a:ea typeface="ONE 모바일POP OTF"/>
-              </a:rPr>
-              <a:t>구현</a:t>
-            </a:r>
-            <a:r>
-              <a:rPr lang="en-US" altLang="ko-KR" sz="2000" dirty="0">
-                <a:solidFill>
-                  <a:schemeClr val="bg1">
-                    <a:lumMod val="75000"/>
-                  </a:schemeClr>
-                </a:solidFill>
-                <a:latin typeface="ONE 모바일POP OTF"/>
-                <a:ea typeface="ONE 모바일POP OTF"/>
-              </a:rPr>
-              <a:t> </a:t>
-            </a:r>
-            <a:r>
-              <a:rPr lang="ko-KR" altLang="en-US" sz="2000" dirty="0">
-                <a:solidFill>
-                  <a:schemeClr val="bg1">
-                    <a:lumMod val="75000"/>
-                  </a:schemeClr>
-                </a:solidFill>
-                <a:latin typeface="ONE 모바일POP OTF"/>
-                <a:ea typeface="ONE 모바일POP OTF"/>
-              </a:rPr>
-              <a:t>예정</a:t>
+              <a:t>반짝임은 짧은 시간 무적 판정</a:t>
             </a:r>
             <a:r>
               <a:rPr lang="en-US" altLang="ko-KR" sz="2000" dirty="0">
@@ -13309,10 +13162,80 @@
               </a:rPr>
               <a:t>키를 눌러 일시정지 및 다시 눌러 게임 재개</a:t>
             </a:r>
+            <a:r>
+              <a:rPr lang="en-US" altLang="ko-KR" sz="2000" dirty="0">
+                <a:solidFill>
+                  <a:schemeClr val="bg2"/>
+                </a:solidFill>
+                <a:latin typeface="ONE 모바일POP OTF"/>
+                <a:ea typeface="ONE 모바일POP OTF"/>
+              </a:rPr>
+              <a:t> / </a:t>
+            </a:r>
+            <a:r>
+              <a:rPr lang="ko-KR" altLang="en-US" sz="2000" dirty="0">
+                <a:solidFill>
+                  <a:schemeClr val="bg1">
+                    <a:lumMod val="85000"/>
+                  </a:schemeClr>
+                </a:solidFill>
+                <a:latin typeface="ONE 모바일POP OTF"/>
+                <a:ea typeface="ONE 모바일POP OTF"/>
+              </a:rPr>
+              <a:t>시간 제한 </a:t>
+            </a:r>
+            <a:r>
+              <a:rPr lang="en-US" altLang="ko-KR" sz="2000" dirty="0">
+                <a:solidFill>
+                  <a:schemeClr val="bg1">
+                    <a:lumMod val="85000"/>
+                  </a:schemeClr>
+                </a:solidFill>
+                <a:latin typeface="ONE 모바일POP OTF"/>
+                <a:ea typeface="ONE 모바일POP OTF"/>
+              </a:rPr>
+              <a:t>: </a:t>
+            </a:r>
+            <a:r>
+              <a:rPr lang="ko-KR" altLang="en-US" sz="2000" dirty="0">
+                <a:solidFill>
+                  <a:schemeClr val="bg1">
+                    <a:lumMod val="85000"/>
+                  </a:schemeClr>
+                </a:solidFill>
+                <a:latin typeface="ONE 모바일POP OTF"/>
+                <a:ea typeface="ONE 모바일POP OTF"/>
+              </a:rPr>
+              <a:t>한 스테이지당 </a:t>
+            </a:r>
+            <a:r>
+              <a:rPr lang="en-US" altLang="ko-KR" sz="2000" dirty="0">
+                <a:solidFill>
+                  <a:schemeClr val="bg1">
+                    <a:lumMod val="85000"/>
+                  </a:schemeClr>
+                </a:solidFill>
+                <a:latin typeface="ONE 모바일POP OTF"/>
+                <a:ea typeface="ONE 모바일POP OTF"/>
+              </a:rPr>
+              <a:t>60</a:t>
+            </a:r>
+            <a:r>
+              <a:rPr lang="ko-KR" altLang="en-US" sz="2000" dirty="0">
+                <a:solidFill>
+                  <a:schemeClr val="bg1">
+                    <a:lumMod val="85000"/>
+                  </a:schemeClr>
+                </a:solidFill>
+                <a:latin typeface="ONE 모바일POP OTF"/>
+                <a:ea typeface="ONE 모바일POP OTF"/>
+              </a:rPr>
+              <a:t>초가 지나면 스테이지 재시작</a:t>
+            </a:r>
             <a:endParaRPr lang="en-US" altLang="ko-KR" sz="2400" dirty="0">
               <a:solidFill>
                 <a:schemeClr val="bg1">
-                  <a:lumMod val="75000"/>
+                  <a:lumMod val="85000"/>
                 </a:schemeClr>
               </a:solidFill>
               <a:latin typeface="ONE 모바일POP OTF"/>
@@ -14079,16 +14002,358 @@
                 <a:latin typeface="ONE 모바일POP OTF" panose="00000500000000000000" pitchFamily="50" charset="-127"/>
                 <a:ea typeface="ONE 모바일POP OTF" panose="00000500000000000000" pitchFamily="50" charset="-127"/>
               </a:rPr>
-              <a:t>(??%)</a:t>
-            </a:r>
-          </a:p>
-          <a:p>
+              <a:t>(??%) (// </a:t>
+            </a:r>
+            <a:r>
+              <a:rPr lang="ko-KR" altLang="en-US" sz="2000" dirty="0">
+                <a:solidFill>
+                  <a:schemeClr val="bg1"/>
+                </a:solidFill>
+                <a:latin typeface="ONE 모바일POP OTF" panose="00000500000000000000" pitchFamily="50" charset="-127"/>
+                <a:ea typeface="ONE 모바일POP OTF" panose="00000500000000000000" pitchFamily="50" charset="-127"/>
+              </a:rPr>
+              <a:t>작성 임시입니다 </a:t>
+            </a:r>
+            <a:r>
+              <a:rPr lang="en-US" altLang="ko-KR" sz="2000" dirty="0">
+                <a:solidFill>
+                  <a:schemeClr val="bg1"/>
+                </a:solidFill>
+                <a:latin typeface="ONE 모바일POP OTF" panose="00000500000000000000" pitchFamily="50" charset="-127"/>
+                <a:ea typeface="ONE 모바일POP OTF" panose="00000500000000000000" pitchFamily="50" charset="-127"/>
+              </a:rPr>
+              <a:t>(</a:t>
+            </a:r>
+            <a:r>
+              <a:rPr lang="ko-KR" altLang="en-US" sz="2000" dirty="0" err="1">
+                <a:solidFill>
+                  <a:schemeClr val="bg1"/>
+                </a:solidFill>
+                <a:latin typeface="ONE 모바일POP OTF" panose="00000500000000000000" pitchFamily="50" charset="-127"/>
+                <a:ea typeface="ONE 모바일POP OTF" panose="00000500000000000000" pitchFamily="50" charset="-127"/>
+              </a:rPr>
+              <a:t>수정중</a:t>
+            </a:r>
+            <a:r>
+              <a:rPr lang="en-US" altLang="ko-KR" sz="2000" dirty="0">
+                <a:solidFill>
+                  <a:schemeClr val="bg1"/>
+                </a:solidFill>
+                <a:latin typeface="ONE 모바일POP OTF" panose="00000500000000000000" pitchFamily="50" charset="-127"/>
+                <a:ea typeface="ONE 모바일POP OTF" panose="00000500000000000000" pitchFamily="50" charset="-127"/>
+              </a:rPr>
+              <a:t>))</a:t>
+            </a:r>
+          </a:p>
+          <a:p>
+            <a:pPr marL="0" indent="0">
+              <a:buNone/>
+            </a:pPr>
+            <a:r>
+              <a:rPr lang="en-US" altLang="ko-KR" sz="2000" dirty="0">
+                <a:solidFill>
+                  <a:schemeClr val="bg1">
+                    <a:lumMod val="75000"/>
+                  </a:schemeClr>
+                </a:solidFill>
+                <a:latin typeface="ONE 모바일POP OTF" panose="00000500000000000000" pitchFamily="50" charset="-127"/>
+                <a:ea typeface="ONE 모바일POP OTF" panose="00000500000000000000" pitchFamily="50" charset="-127"/>
+              </a:rPr>
+              <a:t>// </a:t>
+            </a:r>
+            <a:r>
+              <a:rPr lang="ko-KR" altLang="en-US" sz="2000" dirty="0">
+                <a:solidFill>
+                  <a:schemeClr val="bg1">
+                    <a:lumMod val="75000"/>
+                  </a:schemeClr>
+                </a:solidFill>
+                <a:latin typeface="ONE 모바일POP OTF" panose="00000500000000000000" pitchFamily="50" charset="-127"/>
+                <a:ea typeface="ONE 모바일POP OTF" panose="00000500000000000000" pitchFamily="50" charset="-127"/>
+              </a:rPr>
+              <a:t>플레이어 방향으로 이동 </a:t>
+            </a:r>
+            <a:r>
+              <a:rPr lang="en-US" altLang="ko-KR" sz="2000" dirty="0">
+                <a:solidFill>
+                  <a:schemeClr val="bg1">
+                    <a:lumMod val="75000"/>
+                  </a:schemeClr>
+                </a:solidFill>
+                <a:latin typeface="ONE 모바일POP OTF" panose="00000500000000000000" pitchFamily="50" charset="-127"/>
+                <a:ea typeface="ONE 모바일POP OTF" panose="00000500000000000000" pitchFamily="50" charset="-127"/>
+              </a:rPr>
+              <a:t>/ </a:t>
+            </a:r>
+            <a:r>
+              <a:rPr lang="ko-KR" altLang="en-US" sz="2000" dirty="0">
+                <a:solidFill>
+                  <a:schemeClr val="bg1">
+                    <a:lumMod val="75000"/>
+                  </a:schemeClr>
+                </a:solidFill>
+                <a:latin typeface="ONE 모바일POP OTF" panose="00000500000000000000" pitchFamily="50" charset="-127"/>
+                <a:ea typeface="ONE 모바일POP OTF" panose="00000500000000000000" pitchFamily="50" charset="-127"/>
+              </a:rPr>
+              <a:t>플레이어 방향으로 레이저 발사 </a:t>
+            </a:r>
+            <a:r>
+              <a:rPr lang="en-US" altLang="ko-KR" sz="2000" dirty="0">
+                <a:solidFill>
+                  <a:schemeClr val="bg1">
+                    <a:lumMod val="75000"/>
+                  </a:schemeClr>
+                </a:solidFill>
+                <a:latin typeface="ONE 모바일POP OTF" panose="00000500000000000000" pitchFamily="50" charset="-127"/>
+                <a:ea typeface="ONE 모바일POP OTF" panose="00000500000000000000" pitchFamily="50" charset="-127"/>
+              </a:rPr>
+              <a:t>2</a:t>
+            </a:r>
+            <a:r>
+              <a:rPr lang="ko-KR" altLang="en-US" sz="2000" dirty="0">
+                <a:solidFill>
+                  <a:schemeClr val="bg1">
+                    <a:lumMod val="75000"/>
+                  </a:schemeClr>
+                </a:solidFill>
+                <a:latin typeface="ONE 모바일POP OTF" panose="00000500000000000000" pitchFamily="50" charset="-127"/>
+                <a:ea typeface="ONE 모바일POP OTF" panose="00000500000000000000" pitchFamily="50" charset="-127"/>
+              </a:rPr>
+              <a:t>종류로 간략화 예정</a:t>
+            </a:r>
             <a:endParaRPr lang="en-US" altLang="ko-KR" sz="2000" dirty="0">
+              <a:solidFill>
+                <a:schemeClr val="bg1">
+                  <a:lumMod val="75000"/>
+                </a:schemeClr>
+              </a:solidFill>
               <a:latin typeface="ONE 모바일POP OTF" panose="00000500000000000000" pitchFamily="50" charset="-127"/>
               <a:ea typeface="ONE 모바일POP OTF" panose="00000500000000000000" pitchFamily="50" charset="-127"/>
             </a:endParaRPr>
           </a:p>
           <a:p>
+            <a:pPr>
+              <a:buFontTx/>
+              <a:buChar char="-"/>
+            </a:pPr>
+            <a:r>
+              <a:rPr lang="en-US" altLang="ko-KR" sz="2000" dirty="0">
+                <a:solidFill>
+                  <a:schemeClr val="bg1">
+                    <a:lumMod val="75000"/>
+                  </a:schemeClr>
+                </a:solidFill>
+                <a:latin typeface="ONE 모바일POP OTF" panose="00000500000000000000" pitchFamily="50" charset="-127"/>
+                <a:ea typeface="ONE 모바일POP OTF" panose="00000500000000000000" pitchFamily="50" charset="-127"/>
+              </a:rPr>
+              <a:t>[</a:t>
+            </a:r>
+            <a:r>
+              <a:rPr lang="ko-KR" altLang="en-US" sz="2000" dirty="0">
+                <a:solidFill>
+                  <a:schemeClr val="bg1">
+                    <a:lumMod val="75000"/>
+                  </a:schemeClr>
+                </a:solidFill>
+                <a:latin typeface="ONE 모바일POP OTF" panose="00000500000000000000" pitchFamily="50" charset="-127"/>
+                <a:ea typeface="ONE 모바일POP OTF" panose="00000500000000000000" pitchFamily="50" charset="-127"/>
+              </a:rPr>
+              <a:t>사건의 지평선</a:t>
+            </a:r>
+            <a:r>
+              <a:rPr lang="en-US" altLang="ko-KR" sz="2000" dirty="0">
+                <a:solidFill>
+                  <a:schemeClr val="bg1">
+                    <a:lumMod val="75000"/>
+                  </a:schemeClr>
+                </a:solidFill>
+                <a:latin typeface="ONE 모바일POP OTF" panose="00000500000000000000" pitchFamily="50" charset="-127"/>
+                <a:ea typeface="ONE 모바일POP OTF" panose="00000500000000000000" pitchFamily="50" charset="-127"/>
+              </a:rPr>
+              <a:t>] </a:t>
+            </a:r>
+            <a:r>
+              <a:rPr lang="ko-KR" altLang="en-US" sz="2000" dirty="0">
+                <a:solidFill>
+                  <a:schemeClr val="bg1">
+                    <a:lumMod val="75000"/>
+                  </a:schemeClr>
+                </a:solidFill>
+                <a:latin typeface="ONE 모바일POP OTF" panose="00000500000000000000" pitchFamily="50" charset="-127"/>
+                <a:ea typeface="ONE 모바일POP OTF" panose="00000500000000000000" pitchFamily="50" charset="-127"/>
+              </a:rPr>
+              <a:t>단원들 동작 구현 </a:t>
+            </a:r>
+            <a:r>
+              <a:rPr lang="en-US" altLang="ko-KR" sz="2000" dirty="0">
+                <a:solidFill>
+                  <a:schemeClr val="bg1">
+                    <a:lumMod val="75000"/>
+                  </a:schemeClr>
+                </a:solidFill>
+                <a:latin typeface="ONE 모바일POP OTF" panose="00000500000000000000" pitchFamily="50" charset="-127"/>
+                <a:ea typeface="ONE 모바일POP OTF" panose="00000500000000000000" pitchFamily="50" charset="-127"/>
+              </a:rPr>
+              <a:t>(</a:t>
+            </a:r>
+            <a:r>
+              <a:rPr lang="ko-KR" altLang="en-US" sz="2000" dirty="0">
+                <a:solidFill>
+                  <a:schemeClr val="bg1">
+                    <a:lumMod val="75000"/>
+                  </a:schemeClr>
+                </a:solidFill>
+                <a:latin typeface="ONE 모바일POP OTF" panose="00000500000000000000" pitchFamily="50" charset="-127"/>
+                <a:ea typeface="ONE 모바일POP OTF" panose="00000500000000000000" pitchFamily="50" charset="-127"/>
+              </a:rPr>
+              <a:t>경로 왕복</a:t>
+            </a:r>
+            <a:r>
+              <a:rPr lang="en-US" altLang="ko-KR" sz="2000" dirty="0">
+                <a:solidFill>
+                  <a:schemeClr val="bg1">
+                    <a:lumMod val="75000"/>
+                  </a:schemeClr>
+                </a:solidFill>
+                <a:latin typeface="ONE 모바일POP OTF" panose="00000500000000000000" pitchFamily="50" charset="-127"/>
+                <a:ea typeface="ONE 모바일POP OTF" panose="00000500000000000000" pitchFamily="50" charset="-127"/>
+              </a:rPr>
+              <a:t> / </a:t>
+            </a:r>
+            <a:r>
+              <a:rPr lang="ko-KR" altLang="en-US" sz="2000" dirty="0">
+                <a:solidFill>
+                  <a:schemeClr val="bg1">
+                    <a:lumMod val="75000"/>
+                  </a:schemeClr>
+                </a:solidFill>
+                <a:latin typeface="ONE 모바일POP OTF" panose="00000500000000000000" pitchFamily="50" charset="-127"/>
+                <a:ea typeface="ONE 모바일POP OTF" panose="00000500000000000000" pitchFamily="50" charset="-127"/>
+              </a:rPr>
+              <a:t>벽에 </a:t>
+            </a:r>
+            <a:r>
+              <a:rPr lang="ko-KR" altLang="en-US" sz="2000" dirty="0" err="1">
+                <a:solidFill>
+                  <a:schemeClr val="bg1">
+                    <a:lumMod val="75000"/>
+                  </a:schemeClr>
+                </a:solidFill>
+                <a:latin typeface="ONE 모바일POP OTF" panose="00000500000000000000" pitchFamily="50" charset="-127"/>
+                <a:ea typeface="ONE 모바일POP OTF" panose="00000500000000000000" pitchFamily="50" charset="-127"/>
+              </a:rPr>
+              <a:t>충돌시</a:t>
+            </a:r>
+            <a:r>
+              <a:rPr lang="ko-KR" altLang="en-US" sz="2000" dirty="0">
+                <a:solidFill>
+                  <a:schemeClr val="bg1">
+                    <a:lumMod val="75000"/>
+                  </a:schemeClr>
+                </a:solidFill>
+                <a:latin typeface="ONE 모바일POP OTF" panose="00000500000000000000" pitchFamily="50" charset="-127"/>
+                <a:ea typeface="ONE 모바일POP OTF" panose="00000500000000000000" pitchFamily="50" charset="-127"/>
+              </a:rPr>
+              <a:t> 튕기며 이동 </a:t>
+            </a:r>
+            <a:r>
+              <a:rPr lang="en-US" altLang="ko-KR" sz="2000" dirty="0">
+                <a:solidFill>
+                  <a:schemeClr val="bg1">
+                    <a:lumMod val="75000"/>
+                  </a:schemeClr>
+                </a:solidFill>
+                <a:latin typeface="ONE 모바일POP OTF" panose="00000500000000000000" pitchFamily="50" charset="-127"/>
+                <a:ea typeface="ONE 모바일POP OTF" panose="00000500000000000000" pitchFamily="50" charset="-127"/>
+              </a:rPr>
+              <a:t>/ </a:t>
+            </a:r>
+            <a:r>
+              <a:rPr lang="ko-KR" altLang="en-US" sz="2000" dirty="0">
+                <a:solidFill>
+                  <a:schemeClr val="bg1">
+                    <a:lumMod val="75000"/>
+                  </a:schemeClr>
+                </a:solidFill>
+                <a:latin typeface="ONE 모바일POP OTF" panose="00000500000000000000" pitchFamily="50" charset="-127"/>
+                <a:ea typeface="ONE 모바일POP OTF" panose="00000500000000000000" pitchFamily="50" charset="-127"/>
+              </a:rPr>
+              <a:t>은비가 있는 방향으로 레이저 발사</a:t>
+            </a:r>
+            <a:r>
+              <a:rPr lang="en-US" altLang="ko-KR" sz="2000" dirty="0">
+                <a:solidFill>
+                  <a:schemeClr val="bg1">
+                    <a:lumMod val="75000"/>
+                  </a:schemeClr>
+                </a:solidFill>
+                <a:latin typeface="ONE 모바일POP OTF" panose="00000500000000000000" pitchFamily="50" charset="-127"/>
+                <a:ea typeface="ONE 모바일POP OTF" panose="00000500000000000000" pitchFamily="50" charset="-127"/>
+              </a:rPr>
+              <a:t>). </a:t>
+            </a:r>
+            <a:r>
+              <a:rPr lang="ko-KR" altLang="en-US" sz="2000" dirty="0">
+                <a:solidFill>
+                  <a:schemeClr val="bg1">
+                    <a:lumMod val="75000"/>
+                  </a:schemeClr>
+                </a:solidFill>
+                <a:latin typeface="ONE 모바일POP OTF" panose="00000500000000000000" pitchFamily="50" charset="-127"/>
+                <a:ea typeface="ONE 모바일POP OTF" panose="00000500000000000000" pitchFamily="50" charset="-127"/>
+              </a:rPr>
+              <a:t>방해물과 마찬가지로 단원 또는 레이저에 닿을 시 체력이 감소</a:t>
+            </a:r>
+            <a:r>
+              <a:rPr lang="en-US" altLang="ko-KR" sz="2000" dirty="0">
+                <a:solidFill>
+                  <a:schemeClr val="bg1">
+                    <a:lumMod val="75000"/>
+                  </a:schemeClr>
+                </a:solidFill>
+                <a:latin typeface="ONE 모바일POP OTF" panose="00000500000000000000" pitchFamily="50" charset="-127"/>
+                <a:ea typeface="ONE 모바일POP OTF" panose="00000500000000000000" pitchFamily="50" charset="-127"/>
+              </a:rPr>
+              <a:t>. </a:t>
+            </a:r>
+            <a:r>
+              <a:rPr lang="ko-KR" altLang="en-US" sz="2000" dirty="0">
+                <a:solidFill>
+                  <a:schemeClr val="bg1">
+                    <a:lumMod val="75000"/>
+                  </a:schemeClr>
+                </a:solidFill>
+                <a:latin typeface="ONE 모바일POP OTF" panose="00000500000000000000" pitchFamily="50" charset="-127"/>
+                <a:ea typeface="ONE 모바일POP OTF" panose="00000500000000000000" pitchFamily="50" charset="-127"/>
+              </a:rPr>
+              <a:t>또한 </a:t>
+            </a:r>
+            <a:endParaRPr lang="en-US" altLang="ko-KR" sz="2000" dirty="0">
+              <a:solidFill>
+                <a:schemeClr val="bg1">
+                  <a:lumMod val="75000"/>
+                </a:schemeClr>
+              </a:solidFill>
+              <a:latin typeface="ONE 모바일POP OTF" panose="00000500000000000000" pitchFamily="50" charset="-127"/>
+              <a:ea typeface="ONE 모바일POP OTF" panose="00000500000000000000" pitchFamily="50" charset="-127"/>
+            </a:endParaRPr>
+          </a:p>
+          <a:p>
+            <a:pPr>
+              <a:buFontTx/>
+              <a:buChar char="-"/>
+            </a:pPr>
+            <a:endParaRPr lang="en-US" altLang="ko-KR" sz="2000" dirty="0">
+              <a:solidFill>
+                <a:schemeClr val="bg1">
+                  <a:lumMod val="75000"/>
+                </a:schemeClr>
+              </a:solidFill>
+              <a:latin typeface="ONE 모바일POP OTF" panose="00000500000000000000" pitchFamily="50" charset="-127"/>
+              <a:ea typeface="ONE 모바일POP OTF" panose="00000500000000000000" pitchFamily="50" charset="-127"/>
+            </a:endParaRPr>
+          </a:p>
+          <a:p>
             <a:pPr marL="0" indent="0">
               <a:buNone/>
             </a:pPr>
@@ -14102,187 +14367,43 @@
                 <a:latin typeface="ONE 모바일POP OTF" panose="00000500000000000000" pitchFamily="50" charset="-127"/>
                 <a:ea typeface="ONE 모바일POP OTF" panose="00000500000000000000" pitchFamily="50" charset="-127"/>
               </a:rPr>
-              <a:t>[</a:t>
-            </a:r>
-            <a:r>
-              <a:rPr lang="ko-KR" altLang="en-US" sz="2000" dirty="0">
-                <a:solidFill>
-                  <a:schemeClr val="bg1">
-                    <a:lumMod val="75000"/>
-                  </a:schemeClr>
-                </a:solidFill>
-                <a:latin typeface="ONE 모바일POP OTF" panose="00000500000000000000" pitchFamily="50" charset="-127"/>
-                <a:ea typeface="ONE 모바일POP OTF" panose="00000500000000000000" pitchFamily="50" charset="-127"/>
-              </a:rPr>
-              <a:t>사건의 지평선</a:t>
-            </a:r>
-            <a:r>
-              <a:rPr lang="en-US" altLang="ko-KR" sz="2000" dirty="0">
-                <a:solidFill>
-                  <a:schemeClr val="bg1">
-                    <a:lumMod val="75000"/>
-                  </a:schemeClr>
-                </a:solidFill>
-                <a:latin typeface="ONE 모바일POP OTF" panose="00000500000000000000" pitchFamily="50" charset="-127"/>
-                <a:ea typeface="ONE 모바일POP OTF" panose="00000500000000000000" pitchFamily="50" charset="-127"/>
-              </a:rPr>
-              <a:t>] </a:t>
-            </a:r>
-            <a:r>
-              <a:rPr lang="ko-KR" altLang="en-US" sz="2000" dirty="0">
-                <a:solidFill>
-                  <a:schemeClr val="bg1">
-                    <a:lumMod val="75000"/>
-                  </a:schemeClr>
-                </a:solidFill>
-                <a:latin typeface="ONE 모바일POP OTF" panose="00000500000000000000" pitchFamily="50" charset="-127"/>
-                <a:ea typeface="ONE 모바일POP OTF" panose="00000500000000000000" pitchFamily="50" charset="-127"/>
-              </a:rPr>
-              <a:t>단원들 동작 구현 </a:t>
-            </a:r>
-            <a:r>
-              <a:rPr lang="en-US" altLang="ko-KR" sz="2000" dirty="0">
-                <a:solidFill>
-                  <a:schemeClr val="bg1">
-                    <a:lumMod val="75000"/>
-                  </a:schemeClr>
-                </a:solidFill>
-                <a:latin typeface="ONE 모바일POP OTF" panose="00000500000000000000" pitchFamily="50" charset="-127"/>
-                <a:ea typeface="ONE 모바일POP OTF" panose="00000500000000000000" pitchFamily="50" charset="-127"/>
-              </a:rPr>
-              <a:t>(</a:t>
-            </a:r>
-            <a:r>
-              <a:rPr lang="ko-KR" altLang="en-US" sz="2000" dirty="0">
-                <a:solidFill>
-                  <a:schemeClr val="bg1">
-                    <a:lumMod val="75000"/>
-                  </a:schemeClr>
-                </a:solidFill>
-                <a:latin typeface="ONE 모바일POP OTF" panose="00000500000000000000" pitchFamily="50" charset="-127"/>
-                <a:ea typeface="ONE 모바일POP OTF" panose="00000500000000000000" pitchFamily="50" charset="-127"/>
-              </a:rPr>
-              <a:t>경로 왕복</a:t>
-            </a:r>
-            <a:r>
-              <a:rPr lang="en-US" altLang="ko-KR" sz="2000" dirty="0">
-                <a:solidFill>
-                  <a:schemeClr val="bg1">
-                    <a:lumMod val="75000"/>
-                  </a:schemeClr>
-                </a:solidFill>
-                <a:latin typeface="ONE 모바일POP OTF" panose="00000500000000000000" pitchFamily="50" charset="-127"/>
-                <a:ea typeface="ONE 모바일POP OTF" panose="00000500000000000000" pitchFamily="50" charset="-127"/>
-              </a:rPr>
-              <a:t> / </a:t>
-            </a:r>
-            <a:r>
-              <a:rPr lang="ko-KR" altLang="en-US" sz="2000" dirty="0">
-                <a:solidFill>
-                  <a:schemeClr val="bg1">
-                    <a:lumMod val="75000"/>
-                  </a:schemeClr>
-                </a:solidFill>
-                <a:latin typeface="ONE 모바일POP OTF" panose="00000500000000000000" pitchFamily="50" charset="-127"/>
-                <a:ea typeface="ONE 모바일POP OTF" panose="00000500000000000000" pitchFamily="50" charset="-127"/>
-              </a:rPr>
-              <a:t>벽에 </a:t>
-            </a:r>
-            <a:r>
-              <a:rPr lang="ko-KR" altLang="en-US" sz="2000" dirty="0" err="1">
-                <a:solidFill>
-                  <a:schemeClr val="bg1">
-                    <a:lumMod val="75000"/>
-                  </a:schemeClr>
-                </a:solidFill>
-                <a:latin typeface="ONE 모바일POP OTF" panose="00000500000000000000" pitchFamily="50" charset="-127"/>
-                <a:ea typeface="ONE 모바일POP OTF" panose="00000500000000000000" pitchFamily="50" charset="-127"/>
-              </a:rPr>
-              <a:t>충돌시</a:t>
-            </a:r>
-            <a:r>
-              <a:rPr lang="ko-KR" altLang="en-US" sz="2000" dirty="0">
-                <a:solidFill>
-                  <a:schemeClr val="bg1">
-                    <a:lumMod val="75000"/>
-                  </a:schemeClr>
-                </a:solidFill>
-                <a:latin typeface="ONE 모바일POP OTF" panose="00000500000000000000" pitchFamily="50" charset="-127"/>
-                <a:ea typeface="ONE 모바일POP OTF" panose="00000500000000000000" pitchFamily="50" charset="-127"/>
-              </a:rPr>
-              <a:t> 튕기며 이동 </a:t>
-            </a:r>
-            <a:r>
-              <a:rPr lang="en-US" altLang="ko-KR" sz="2000" dirty="0">
-                <a:solidFill>
-                  <a:schemeClr val="bg1">
-                    <a:lumMod val="75000"/>
-                  </a:schemeClr>
-                </a:solidFill>
-                <a:latin typeface="ONE 모바일POP OTF" panose="00000500000000000000" pitchFamily="50" charset="-127"/>
-                <a:ea typeface="ONE 모바일POP OTF" panose="00000500000000000000" pitchFamily="50" charset="-127"/>
-              </a:rPr>
-              <a:t>/ </a:t>
-            </a:r>
-            <a:r>
-              <a:rPr lang="ko-KR" altLang="en-US" sz="2000" dirty="0">
-                <a:solidFill>
-                  <a:schemeClr val="bg1">
-                    <a:lumMod val="75000"/>
-                  </a:schemeClr>
-                </a:solidFill>
-                <a:latin typeface="ONE 모바일POP OTF" panose="00000500000000000000" pitchFamily="50" charset="-127"/>
-                <a:ea typeface="ONE 모바일POP OTF" panose="00000500000000000000" pitchFamily="50" charset="-127"/>
-              </a:rPr>
-              <a:t>은비가 있는 방향으로 레이저 발사</a:t>
-            </a:r>
-            <a:r>
-              <a:rPr lang="en-US" altLang="ko-KR" sz="2000" dirty="0">
-                <a:solidFill>
-                  <a:schemeClr val="bg1">
-                    <a:lumMod val="75000"/>
-                  </a:schemeClr>
-                </a:solidFill>
-                <a:latin typeface="ONE 모바일POP OTF" panose="00000500000000000000" pitchFamily="50" charset="-127"/>
-                <a:ea typeface="ONE 모바일POP OTF" panose="00000500000000000000" pitchFamily="50" charset="-127"/>
-              </a:rPr>
-              <a:t>). </a:t>
-            </a:r>
-            <a:r>
-              <a:rPr lang="ko-KR" altLang="en-US" sz="2000" dirty="0">
-                <a:solidFill>
-                  <a:schemeClr val="bg1">
-                    <a:lumMod val="75000"/>
-                  </a:schemeClr>
-                </a:solidFill>
-                <a:latin typeface="ONE 모바일POP OTF" panose="00000500000000000000" pitchFamily="50" charset="-127"/>
-                <a:ea typeface="ONE 모바일POP OTF" panose="00000500000000000000" pitchFamily="50" charset="-127"/>
-              </a:rPr>
-              <a:t>방해물과 마찬가지로 단원 또는 레이저에 닿을 시 체력이 감소</a:t>
-            </a:r>
-            <a:r>
-              <a:rPr lang="en-US" altLang="ko-KR" sz="2000" dirty="0">
-                <a:solidFill>
-                  <a:schemeClr val="bg1">
-                    <a:lumMod val="75000"/>
-                  </a:schemeClr>
-                </a:solidFill>
-                <a:latin typeface="ONE 모바일POP OTF" panose="00000500000000000000" pitchFamily="50" charset="-127"/>
-                <a:ea typeface="ONE 모바일POP OTF" panose="00000500000000000000" pitchFamily="50" charset="-127"/>
-              </a:rPr>
-              <a:t>. </a:t>
-            </a:r>
-            <a:r>
-              <a:rPr lang="ko-KR" altLang="en-US" sz="2000" dirty="0">
-                <a:solidFill>
-                  <a:schemeClr val="bg1">
-                    <a:lumMod val="75000"/>
-                  </a:schemeClr>
-                </a:solidFill>
-                <a:latin typeface="ONE 모바일POP OTF" panose="00000500000000000000" pitchFamily="50" charset="-127"/>
-                <a:ea typeface="ONE 모바일POP OTF" panose="00000500000000000000" pitchFamily="50" charset="-127"/>
-              </a:rPr>
-              <a:t>또한 공통적으로 </a:t>
+              <a:t>// </a:t>
+            </a:r>
+            <a:r>
+              <a:rPr lang="ko-KR" altLang="en-US" sz="2000" dirty="0">
+                <a:solidFill>
+                  <a:schemeClr val="bg1">
+                    <a:lumMod val="75000"/>
+                  </a:schemeClr>
+                </a:solidFill>
+                <a:latin typeface="ONE 모바일POP OTF" panose="00000500000000000000" pitchFamily="50" charset="-127"/>
+                <a:ea typeface="ONE 모바일POP OTF" panose="00000500000000000000" pitchFamily="50" charset="-127"/>
+              </a:rPr>
+              <a:t>생략 </a:t>
+            </a:r>
+            <a:r>
+              <a:rPr lang="en-US" altLang="ko-KR" sz="2000" dirty="0">
+                <a:solidFill>
+                  <a:schemeClr val="bg1">
+                    <a:lumMod val="75000"/>
+                  </a:schemeClr>
+                </a:solidFill>
+                <a:latin typeface="ONE 모바일POP OTF" panose="00000500000000000000" pitchFamily="50" charset="-127"/>
+                <a:ea typeface="ONE 모바일POP OTF" panose="00000500000000000000" pitchFamily="50" charset="-127"/>
+              </a:rPr>
+              <a:t>- </a:t>
+            </a:r>
+            <a:r>
+              <a:rPr lang="ko-KR" altLang="en-US" sz="2000" dirty="0">
+                <a:solidFill>
+                  <a:schemeClr val="bg1">
+                    <a:lumMod val="75000"/>
+                  </a:schemeClr>
+                </a:solidFill>
+                <a:latin typeface="ONE 모바일POP OTF" panose="00000500000000000000" pitchFamily="50" charset="-127"/>
+                <a:ea typeface="ONE 모바일POP OTF" panose="00000500000000000000" pitchFamily="50" charset="-127"/>
+              </a:rPr>
+              <a:t>공통적으로 </a:t>
             </a:r>
             <a:r>
               <a:rPr lang="en-US" altLang="ko-KR" sz="2000" dirty="0">
@@ -16620,115 +16741,7 @@
                 <a:latin typeface="ONE 모바일POP OTF" panose="00000500000000000000" pitchFamily="50" charset="-127"/>
                 <a:ea typeface="ONE 모바일POP OTF" panose="00000500000000000000" pitchFamily="50" charset="-127"/>
               </a:rPr>
-              <a:t>어려움에서는 방해물이 늘어나고 </a:t>
-            </a:r>
-            <a:r>
-              <a:rPr lang="en-US" altLang="ko-KR" sz="2000" dirty="0">
-                <a:solidFill>
-                  <a:schemeClr val="bg1">
-                    <a:lumMod val="75000"/>
-                  </a:schemeClr>
-                </a:solidFill>
-                <a:latin typeface="ONE 모바일POP OTF" panose="00000500000000000000" pitchFamily="50" charset="-127"/>
-                <a:ea typeface="ONE 모바일POP OTF" panose="00000500000000000000" pitchFamily="50" charset="-127"/>
-              </a:rPr>
-              <a:t>[</a:t>
-            </a:r>
-            <a:r>
-              <a:rPr lang="ko-KR" altLang="en-US" sz="2000" dirty="0">
-                <a:solidFill>
-                  <a:schemeClr val="bg1">
-                    <a:lumMod val="75000"/>
-                  </a:schemeClr>
-                </a:solidFill>
-                <a:latin typeface="ONE 모바일POP OTF" panose="00000500000000000000" pitchFamily="50" charset="-127"/>
-                <a:ea typeface="ONE 모바일POP OTF" panose="00000500000000000000" pitchFamily="50" charset="-127"/>
-              </a:rPr>
-              <a:t>사건의 지평선</a:t>
-            </a:r>
-            <a:r>
-              <a:rPr lang="en-US" altLang="ko-KR" sz="2000" dirty="0">
-                <a:solidFill>
-                  <a:schemeClr val="bg1">
-                    <a:lumMod val="75000"/>
-                  </a:schemeClr>
-                </a:solidFill>
-                <a:latin typeface="ONE 모바일POP OTF" panose="00000500000000000000" pitchFamily="50" charset="-127"/>
-                <a:ea typeface="ONE 모바일POP OTF" panose="00000500000000000000" pitchFamily="50" charset="-127"/>
-              </a:rPr>
-              <a:t>]</a:t>
-            </a:r>
-            <a:r>
-              <a:rPr lang="ko-KR" altLang="en-US" sz="2000" dirty="0">
-                <a:solidFill>
-                  <a:schemeClr val="bg1">
-                    <a:lumMod val="75000"/>
-                  </a:schemeClr>
-                </a:solidFill>
-                <a:latin typeface="ONE 모바일POP OTF" panose="00000500000000000000" pitchFamily="50" charset="-127"/>
-                <a:ea typeface="ONE 모바일POP OTF" panose="00000500000000000000" pitchFamily="50" charset="-127"/>
-              </a:rPr>
-              <a:t>의 </a:t>
-            </a:r>
-            <a:r>
-              <a:rPr lang="en-US" altLang="ko-KR" sz="2000" dirty="0">
-                <a:solidFill>
-                  <a:schemeClr val="bg1">
-                    <a:lumMod val="75000"/>
-                  </a:schemeClr>
-                </a:solidFill>
-                <a:latin typeface="ONE 모바일POP OTF" panose="00000500000000000000" pitchFamily="50" charset="-127"/>
-                <a:ea typeface="ONE 모바일POP OTF" panose="00000500000000000000" pitchFamily="50" charset="-127"/>
-              </a:rPr>
-              <a:t>‘</a:t>
-            </a:r>
-            <a:r>
-              <a:rPr lang="ko-KR" altLang="en-US" sz="2000" dirty="0" err="1">
-                <a:solidFill>
-                  <a:schemeClr val="bg1">
-                    <a:lumMod val="75000"/>
-                  </a:schemeClr>
-                </a:solidFill>
-                <a:latin typeface="ONE 모바일POP OTF" panose="00000500000000000000" pitchFamily="50" charset="-127"/>
-                <a:ea typeface="ONE 모바일POP OTF" panose="00000500000000000000" pitchFamily="50" charset="-127"/>
-              </a:rPr>
-              <a:t>초신성</a:t>
-            </a:r>
-            <a:r>
-              <a:rPr lang="ko-KR" altLang="en-US" sz="2000" dirty="0">
-                <a:solidFill>
-                  <a:schemeClr val="bg1">
-                    <a:lumMod val="75000"/>
-                  </a:schemeClr>
-                </a:solidFill>
-                <a:latin typeface="ONE 모바일POP OTF" panose="00000500000000000000" pitchFamily="50" charset="-127"/>
-                <a:ea typeface="ONE 모바일POP OTF" panose="00000500000000000000" pitchFamily="50" charset="-127"/>
-              </a:rPr>
-              <a:t> 에너지</a:t>
-            </a:r>
-            <a:r>
-              <a:rPr lang="en-US" altLang="ko-KR" sz="2000" dirty="0">
-                <a:solidFill>
-                  <a:schemeClr val="bg1">
-                    <a:lumMod val="75000"/>
-                  </a:schemeClr>
-                </a:solidFill>
-                <a:latin typeface="ONE 모바일POP OTF" panose="00000500000000000000" pitchFamily="50" charset="-127"/>
-                <a:ea typeface="ONE 모바일POP OTF" panose="00000500000000000000" pitchFamily="50" charset="-127"/>
-              </a:rPr>
-              <a:t>’ </a:t>
-            </a:r>
-            <a:r>
-              <a:rPr lang="ko-KR" altLang="en-US" sz="2000" dirty="0">
-                <a:solidFill>
-                  <a:schemeClr val="bg1">
-                    <a:lumMod val="75000"/>
-                  </a:schemeClr>
-                </a:solidFill>
-                <a:latin typeface="ONE 모바일POP OTF" panose="00000500000000000000" pitchFamily="50" charset="-127"/>
-                <a:ea typeface="ONE 모바일POP OTF" panose="00000500000000000000" pitchFamily="50" charset="-127"/>
-              </a:rPr>
-              <a:t>습득 기준량이 감소합니다</a:t>
+              <a:t>어려움에서는 방해물이 늘어나고 시간이 더 빠르게 줄어듭니다</a:t>
             </a:r>
             <a:r>
               <a:rPr lang="en-US" altLang="ko-KR" sz="2000" dirty="0">
@@ -16742,22 +16755,6 @@
               </a:rPr>
               <a:t>.</a:t>
             </a:r>
-          </a:p>
-          <a:p>
-            <a:pPr marL="0" indent="0">
-              <a:buNone/>
-            </a:pPr>
-            <a:endParaRPr lang="en-US" altLang="ko-KR" sz="2000" dirty="0">
-              <a:solidFill>
-                <a:schemeClr val="bg1">
-                  <a:lumMod val="75000"/>
-                </a:schemeClr>
-              </a:solidFill>
-              <a:latin typeface="ONE 모바일POP OTF" panose="00000500000000000000" pitchFamily="50" charset="-127"/>
-              <a:ea typeface="ONE 모바일POP OTF" panose="00000500000000000000" pitchFamily="50" charset="-127"/>
-            </a:endParaRPr>
-          </a:p>
-          <a:p>
             <a:endParaRPr lang="en-US" altLang="ko-KR" sz="2000" dirty="0">
               <a:latin typeface="ONE 모바일POP OTF" panose="00000500000000000000" pitchFamily="50" charset="-127"/>
               <a:ea typeface="ONE 모바일POP OTF" panose="00000500000000000000" pitchFamily="50" charset="-127"/>

--- a/2018180040 - 2DGP 3차 발표 프레젠테이션.pptx
+++ b/2018180040 - 2DGP 3차 발표 프레젠테이션.pptx
@@ -10856,7 +10856,37 @@
                 <a:latin typeface="ONE 모바일POP OTF"/>
                 <a:ea typeface="ONE 모바일POP OTF"/>
               </a:rPr>
-              <a:t>리소스 제작 (</a:t>
+              <a:t>리소스 제작 </a:t>
+            </a:r>
+            <a:r>
+              <a:rPr lang="ko-KR" altLang="en-US" sz="2000" dirty="0">
+                <a:solidFill>
+                  <a:schemeClr val="bg1"/>
+                </a:solidFill>
+                <a:latin typeface="ONE 모바일POP OTF"/>
+                <a:ea typeface="ONE 모바일POP OTF"/>
+              </a:rPr>
+              <a:t>(</a:t>
+            </a:r>
+            <a:r>
+              <a:rPr lang="en-US" altLang="ko-KR" sz="2000" dirty="0">
+                <a:solidFill>
+                  <a:schemeClr val="bg1"/>
+                </a:solidFill>
+                <a:latin typeface="ONE 모바일POP OTF"/>
+                <a:ea typeface="ONE 모바일POP OTF"/>
+              </a:rPr>
+              <a:t>45</a:t>
+            </a:r>
+            <a:r>
+              <a:rPr lang="ko-KR" altLang="en-US" sz="2000" dirty="0">
+                <a:solidFill>
+                  <a:schemeClr val="bg1"/>
+                </a:solidFill>
+                <a:latin typeface="ONE 모바일POP OTF"/>
+                <a:ea typeface="ONE 모바일POP OTF"/>
+              </a:rPr>
+              <a:t>%)  </a:t>
             </a:r>
             <a:r>
               <a:rPr lang="en-US" altLang="ko-KR" sz="2000" dirty="0">
@@ -10866,17 +10896,7 @@
                 <a:latin typeface="ONE 모바일POP OTF"/>
                 <a:ea typeface="ONE 모바일POP OTF"/>
               </a:rPr>
-              <a:t>30</a:t>
-            </a:r>
-            <a:r>
-              <a:rPr lang="en-US" altLang="ko-KR" sz="2000" dirty="0">
-                <a:solidFill>
-                  <a:srgbClr val="FFFF00"/>
-                </a:solidFill>
-                <a:latin typeface="ONE 모바일POP OTF"/>
-                <a:ea typeface="ONE 모바일POP OTF"/>
-              </a:rPr>
-              <a:t>?</a:t>
+              <a:t>&lt;- </a:t>
             </a:r>
             <a:r>
               <a:rPr lang="ko-KR" altLang="en-US" sz="2000" dirty="0">
@@ -10886,27 +10906,7 @@
                 <a:latin typeface="ONE 모바일POP OTF"/>
                 <a:ea typeface="ONE 모바일POP OTF"/>
               </a:rPr>
-              <a:t>%)  </a:t>
-            </a:r>
-            <a:r>
-              <a:rPr lang="en-US" altLang="ko-KR" sz="2000" dirty="0">
-                <a:solidFill>
-                  <a:schemeClr val="bg2"/>
-                </a:solidFill>
-                <a:latin typeface="ONE 모바일POP OTF"/>
-                <a:ea typeface="ONE 모바일POP OTF"/>
-              </a:rPr>
-              <a:t>&lt;- </a:t>
-            </a:r>
-            <a:r>
-              <a:rPr lang="ko-KR" altLang="en-US" sz="2000" dirty="0">
-                <a:solidFill>
-                  <a:schemeClr val="bg2"/>
-                </a:solidFill>
-                <a:latin typeface="ONE 모바일POP OTF"/>
-                <a:ea typeface="ONE 모바일POP OTF"/>
-              </a:rPr>
-              <a:t>진행 상황 맞춰서 추가하기로 했음</a:t>
+              <a:t>진행 상황 맞춰서 추가하는 중</a:t>
             </a:r>
           </a:p>
           <a:p>
@@ -10992,7 +10992,7 @@
                 <a:latin typeface="ONE 모바일POP OTF"/>
                 <a:ea typeface="ONE 모바일POP OTF"/>
               </a:rPr>
-              <a:t>100?% </a:t>
+              <a:t>100% </a:t>
             </a:r>
             <a:r>
               <a:rPr lang="ko-KR" altLang="en-US" sz="2000" dirty="0">
@@ -11118,31 +11118,31 @@
                 <a:latin typeface="ONE 모바일POP OTF"/>
                 <a:ea typeface="ONE 모바일POP OTF"/>
               </a:rPr>
+              <a:t>위성</a:t>
+            </a:r>
+            <a:r>
+              <a:rPr lang="en-US" altLang="ko-KR" sz="2000" dirty="0">
+                <a:solidFill>
+                  <a:schemeClr val="bg1">
+                    <a:lumMod val="75000"/>
+                  </a:schemeClr>
+                </a:solidFill>
+                <a:latin typeface="ONE 모바일POP OTF"/>
+                <a:ea typeface="ONE 모바일POP OTF"/>
+              </a:rPr>
+              <a:t>, </a:t>
+            </a:r>
+            <a:r>
+              <a:rPr lang="ko-KR" altLang="en-US" sz="2000" dirty="0">
+                <a:solidFill>
+                  <a:schemeClr val="bg1">
+                    <a:lumMod val="75000"/>
+                  </a:schemeClr>
+                </a:solidFill>
+                <a:latin typeface="ONE 모바일POP OTF"/>
+                <a:ea typeface="ONE 모바일POP OTF"/>
+              </a:rPr>
               <a:t>혜성</a:t>
-            </a:r>
-            <a:r>
-              <a:rPr lang="en-US" altLang="ko-KR" sz="2000" dirty="0">
-                <a:solidFill>
-                  <a:schemeClr val="bg1">
-                    <a:lumMod val="75000"/>
-                  </a:schemeClr>
-                </a:solidFill>
-                <a:latin typeface="ONE 모바일POP OTF"/>
-                <a:ea typeface="ONE 모바일POP OTF"/>
-              </a:rPr>
-              <a:t>, </a:t>
-            </a:r>
-            <a:r>
-              <a:rPr lang="ko-KR" altLang="en-US" sz="2000" dirty="0">
-                <a:solidFill>
-                  <a:schemeClr val="bg1">
-                    <a:lumMod val="75000"/>
-                  </a:schemeClr>
-                </a:solidFill>
-                <a:latin typeface="ONE 모바일POP OTF"/>
-                <a:ea typeface="ONE 모바일POP OTF"/>
-              </a:rPr>
-              <a:t>위성</a:t>
             </a:r>
             <a:r>
               <a:rPr lang="en-US" altLang="ko-KR" sz="2000" dirty="0">
@@ -11901,28 +11901,25 @@
                 <a:latin typeface="ONE 모바일POP OTF"/>
                 <a:ea typeface="ONE 모바일POP OTF"/>
               </a:rPr>
-              <a:t>메뉴 정보 및 버튼들 (</a:t>
-            </a:r>
-            <a:r>
-              <a:rPr lang="en-US" altLang="ko-KR" sz="2000" dirty="0">
-                <a:solidFill>
-                  <a:schemeClr val="bg2"/>
-                </a:solidFill>
-                <a:latin typeface="ONE 모바일POP OTF"/>
-                <a:ea typeface="ONE 모바일POP OTF"/>
-              </a:rPr>
-              <a:t>20</a:t>
-            </a:r>
-            <a:r>
-              <a:rPr lang="ko-KR" altLang="en-US" sz="2000" dirty="0">
-                <a:solidFill>
-                  <a:schemeClr val="bg2"/>
-                </a:solidFill>
-                <a:latin typeface="ONE 모바일POP OTF"/>
-                <a:ea typeface="ONE 모바일POP OTF"/>
-              </a:rPr>
-              <a:t>%)</a:t>
-            </a:r>
+              <a:t>메뉴 정보 및 버튼들 </a:t>
+            </a:r>
+            <a:r>
+              <a:rPr lang="en-US" altLang="ko-KR" sz="2000" dirty="0">
+                <a:solidFill>
+                  <a:schemeClr val="bg1"/>
+                </a:solidFill>
+                <a:latin typeface="ONE 모바일POP OTF"/>
+                <a:ea typeface="ONE 모바일POP OTF"/>
+              </a:rPr>
+              <a:t>(80%)</a:t>
+            </a:r>
+            <a:endParaRPr lang="ko-KR" altLang="en-US" sz="2000" dirty="0">
+              <a:solidFill>
+                <a:schemeClr val="bg1"/>
+              </a:solidFill>
+              <a:latin typeface="ONE 모바일POP OTF"/>
+              <a:ea typeface="ONE 모바일POP OTF"/>
+            </a:endParaRPr>
           </a:p>
           <a:p>
             <a:pPr lvl="0">
@@ -11949,48 +11946,22 @@
                 <a:latin typeface="ONE 모바일POP OTF"/>
                 <a:ea typeface="ONE 모바일POP OTF"/>
               </a:rPr>
-              <a:t>게임 정보 메뉴 :</a:t>
-            </a:r>
-            <a:r>
-              <a:rPr lang="ko-KR" altLang="en-US" sz="2000" dirty="0">
-                <a:solidFill>
-                  <a:schemeClr val="bg1">
-                    <a:lumMod val="75000"/>
-                  </a:schemeClr>
-                </a:solidFill>
-                <a:latin typeface="ONE 모바일POP OTF"/>
-                <a:ea typeface="ONE 모바일POP OTF"/>
-              </a:rPr>
-              <a:t> </a:t>
-            </a:r>
-            <a:r>
-              <a:rPr lang="en-US" altLang="ko-KR" sz="2000" dirty="0">
-                <a:solidFill>
-                  <a:srgbClr val="FFFF00"/>
-                </a:solidFill>
-                <a:latin typeface="ONE 모바일POP OTF"/>
-                <a:ea typeface="ONE 모바일POP OTF"/>
-              </a:rPr>
-              <a:t>20</a:t>
-            </a:r>
-            <a:r>
-              <a:rPr lang="en-US" altLang="ko-KR" sz="2000" dirty="0">
-                <a:solidFill>
-                  <a:schemeClr val="bg1">
-                    <a:lumMod val="75000"/>
-                  </a:schemeClr>
-                </a:solidFill>
-                <a:latin typeface="ONE 모바일POP OTF"/>
-                <a:ea typeface="ONE 모바일POP OTF"/>
-              </a:rPr>
-              <a:t>% </a:t>
-            </a:r>
-            <a:r>
-              <a:rPr lang="ko-KR" altLang="en-US" sz="2000" dirty="0">
-                <a:solidFill>
-                  <a:schemeClr val="bg1">
-                    <a:lumMod val="75000"/>
-                  </a:schemeClr>
+              <a:t>게임 정보 메뉴 : </a:t>
+            </a:r>
+            <a:r>
+              <a:rPr lang="en-US" altLang="ko-KR" sz="2000" dirty="0">
+                <a:solidFill>
+                  <a:schemeClr val="bg1"/>
+                </a:solidFill>
+                <a:latin typeface="ONE 모바일POP OTF"/>
+                <a:ea typeface="ONE 모바일POP OTF"/>
+              </a:rPr>
+              <a:t>60% </a:t>
+            </a:r>
+            <a:r>
+              <a:rPr lang="ko-KR" altLang="en-US" sz="2000" dirty="0">
+                <a:solidFill>
+                  <a:schemeClr val="bg1"/>
                 </a:solidFill>
                 <a:latin typeface="ONE 모바일POP OTF"/>
                 <a:ea typeface="ONE 모바일POP OTF"/>
@@ -12264,22 +12235,32 @@
                 <a:latin typeface="ONE 모바일POP OTF"/>
                 <a:ea typeface="ONE 모바일POP OTF"/>
               </a:rPr>
-              <a:t>은비 동작 및 애니메이션 (</a:t>
-            </a:r>
-            <a:r>
-              <a:rPr lang="en-US" altLang="ko-KR" sz="2000" dirty="0">
-                <a:solidFill>
-                  <a:schemeClr val="bg2"/>
-                </a:solidFill>
-                <a:latin typeface="ONE 모바일POP OTF"/>
-                <a:ea typeface="ONE 모바일POP OTF"/>
-              </a:rPr>
-              <a:t>50</a:t>
-            </a:r>
-            <a:r>
-              <a:rPr lang="ko-KR" altLang="en-US" sz="2000" dirty="0">
-                <a:solidFill>
-                  <a:schemeClr val="bg2"/>
+              <a:t>은비 동작 및 애니메이션 </a:t>
+            </a:r>
+            <a:r>
+              <a:rPr lang="ko-KR" altLang="en-US" sz="2000" dirty="0">
+                <a:solidFill>
+                  <a:schemeClr val="bg1"/>
+                </a:solidFill>
+                <a:latin typeface="ONE 모바일POP OTF"/>
+                <a:ea typeface="ONE 모바일POP OTF"/>
+              </a:rPr>
+              <a:t>(</a:t>
+            </a:r>
+            <a:r>
+              <a:rPr lang="en-US" altLang="ko-KR" sz="2000" dirty="0">
+                <a:solidFill>
+                  <a:schemeClr val="bg1"/>
+                </a:solidFill>
+                <a:latin typeface="ONE 모바일POP OTF"/>
+                <a:ea typeface="ONE 모바일POP OTF"/>
+              </a:rPr>
+              <a:t>100</a:t>
+            </a:r>
+            <a:r>
+              <a:rPr lang="ko-KR" altLang="en-US" sz="2000" dirty="0">
+                <a:solidFill>
+                  <a:schemeClr val="bg1"/>
                 </a:solidFill>
                 <a:latin typeface="ONE 모바일POP OTF"/>
                 <a:ea typeface="ONE 모바일POP OTF"/>
@@ -12289,7 +12270,7 @@
             <a:r>
               <a:rPr lang="en-US" altLang="ko-KR" sz="2000" dirty="0">
                 <a:solidFill>
-                  <a:schemeClr val="bg2"/>
+                  <a:schemeClr val="bg1"/>
                 </a:solidFill>
                 <a:latin typeface="ONE 모바일POP OTF"/>
                 <a:ea typeface="ONE 모바일POP OTF"/>
@@ -12658,9 +12639,7 @@
             <a:r>
               <a:rPr lang="en-US" altLang="ko-KR" sz="2000" dirty="0">
                 <a:solidFill>
-                  <a:schemeClr val="bg1">
-                    <a:lumMod val="75000"/>
-                  </a:schemeClr>
+                  <a:schemeClr val="bg1"/>
                 </a:solidFill>
                 <a:latin typeface="ONE 모바일POP OTF"/>
                 <a:ea typeface="ONE 모바일POP OTF"/>
@@ -12670,9 +12649,7 @@
             <a:r>
               <a:rPr lang="ko-KR" altLang="en-US" sz="2000" dirty="0">
                 <a:solidFill>
-                  <a:schemeClr val="bg1">
-                    <a:lumMod val="75000"/>
-                  </a:schemeClr>
+                  <a:schemeClr val="bg1"/>
                 </a:solidFill>
                 <a:latin typeface="ONE 모바일POP OTF"/>
                 <a:ea typeface="ONE 모바일POP OTF"/>
@@ -12682,9 +12659,7 @@
             <a:r>
               <a:rPr lang="en-US" altLang="ko-KR" sz="2000" dirty="0">
                 <a:solidFill>
-                  <a:schemeClr val="bg1">
-                    <a:lumMod val="75000"/>
-                  </a:schemeClr>
+                  <a:schemeClr val="bg1"/>
                 </a:solidFill>
                 <a:latin typeface="ONE 모바일POP OTF"/>
                 <a:ea typeface="ONE 모바일POP OTF"/>
@@ -12694,9 +12669,7 @@
             <a:r>
               <a:rPr lang="ko-KR" altLang="en-US" sz="2000" dirty="0">
                 <a:solidFill>
-                  <a:schemeClr val="bg1">
-                    <a:lumMod val="75000"/>
-                  </a:schemeClr>
+                  <a:schemeClr val="bg1"/>
                 </a:solidFill>
                 <a:latin typeface="ONE 모바일POP OTF"/>
                 <a:ea typeface="ONE 모바일POP OTF"/>
@@ -12706,9 +12679,7 @@
             <a:r>
               <a:rPr lang="en-US" altLang="ko-KR" sz="2000" dirty="0">
                 <a:solidFill>
-                  <a:schemeClr val="bg1">
-                    <a:lumMod val="75000"/>
-                  </a:schemeClr>
+                  <a:schemeClr val="bg1"/>
                 </a:solidFill>
                 <a:latin typeface="ONE 모바일POP OTF"/>
                 <a:ea typeface="ONE 모바일POP OTF"/>
@@ -12718,9 +12689,7 @@
             <a:r>
               <a:rPr lang="ko-KR" altLang="en-US" sz="2000" dirty="0">
                 <a:solidFill>
-                  <a:schemeClr val="bg1">
-                    <a:lumMod val="75000"/>
-                  </a:schemeClr>
+                  <a:schemeClr val="bg1"/>
                 </a:solidFill>
                 <a:latin typeface="ONE 모바일POP OTF"/>
                 <a:ea typeface="ONE 모바일POP OTF"/>
@@ -12730,9 +12699,7 @@
             <a:r>
               <a:rPr lang="en-US" altLang="ko-KR" sz="2000" dirty="0">
                 <a:solidFill>
-                  <a:schemeClr val="bg1">
-                    <a:lumMod val="75000"/>
-                  </a:schemeClr>
+                  <a:schemeClr val="bg1"/>
                 </a:solidFill>
                 <a:latin typeface="ONE 모바일POP OTF"/>
                 <a:ea typeface="ONE 모바일POP OTF"/>
@@ -12742,9 +12709,7 @@
             <a:r>
               <a:rPr lang="ko-KR" altLang="en-US" sz="2000" dirty="0">
                 <a:solidFill>
-                  <a:schemeClr val="bg1">
-                    <a:lumMod val="75000"/>
-                  </a:schemeClr>
+                  <a:schemeClr val="bg1"/>
                 </a:solidFill>
                 <a:latin typeface="ONE 모바일POP OTF"/>
                 <a:ea typeface="ONE 모바일POP OTF"/>
@@ -12754,24 +12719,12 @@
             <a:r>
               <a:rPr lang="en-US" altLang="ko-KR" sz="2000" dirty="0">
                 <a:solidFill>
-                  <a:schemeClr val="bg1">
-                    <a:lumMod val="75000"/>
-                  </a:schemeClr>
-                </a:solidFill>
-                <a:latin typeface="ONE 모바일POP OTF"/>
-                <a:ea typeface="ONE 모바일POP OTF"/>
-              </a:rPr>
-              <a:t>), </a:t>
-            </a:r>
-            <a:r>
-              <a:rPr lang="en-US" altLang="ko-KR" sz="2000" dirty="0">
-                <a:solidFill>
                   <a:schemeClr val="bg1"/>
                 </a:solidFill>
                 <a:latin typeface="ONE 모바일POP OTF"/>
                 <a:ea typeface="ONE 모바일POP OTF"/>
               </a:rPr>
-              <a:t>q</a:t>
+              <a:t>), q</a:t>
             </a:r>
             <a:r>
               <a:rPr lang="ko-KR" altLang="en-US" sz="2000" dirty="0">
@@ -12966,12 +12919,12 @@
             <a:r>
               <a:rPr lang="en-US" altLang="ko-KR" sz="2000" dirty="0">
                 <a:solidFill>
-                  <a:schemeClr val="bg2"/>
-                </a:solidFill>
-                <a:latin typeface="ONE 모바일POP OTF"/>
-                <a:ea typeface="ONE 모바일POP OTF"/>
-              </a:rPr>
-              <a:t>(80%)</a:t>
+                  <a:schemeClr val="bg1"/>
+                </a:solidFill>
+                <a:latin typeface="ONE 모바일POP OTF"/>
+                <a:ea typeface="ONE 모바일POP OTF"/>
+              </a:rPr>
+              <a:t>(100%)</a:t>
             </a:r>
           </a:p>
           <a:p>
@@ -13175,9 +13128,7 @@
             <a:r>
               <a:rPr lang="ko-KR" altLang="en-US" sz="2000" dirty="0">
                 <a:solidFill>
-                  <a:schemeClr val="bg1">
-                    <a:lumMod val="85000"/>
-                  </a:schemeClr>
+                  <a:schemeClr val="bg1"/>
                 </a:solidFill>
                 <a:latin typeface="ONE 모바일POP OTF"/>
                 <a:ea typeface="ONE 모바일POP OTF"/>
@@ -13187,9 +13138,7 @@
             <a:r>
               <a:rPr lang="en-US" altLang="ko-KR" sz="2000" dirty="0">
                 <a:solidFill>
-                  <a:schemeClr val="bg1">
-                    <a:lumMod val="85000"/>
-                  </a:schemeClr>
+                  <a:schemeClr val="bg1"/>
                 </a:solidFill>
                 <a:latin typeface="ONE 모바일POP OTF"/>
                 <a:ea typeface="ONE 모바일POP OTF"/>
@@ -13199,44 +13148,36 @@
             <a:r>
               <a:rPr lang="ko-KR" altLang="en-US" sz="2000" dirty="0">
                 <a:solidFill>
-                  <a:schemeClr val="bg1">
-                    <a:lumMod val="85000"/>
-                  </a:schemeClr>
-                </a:solidFill>
-                <a:latin typeface="ONE 모바일POP OTF"/>
-                <a:ea typeface="ONE 모바일POP OTF"/>
-              </a:rPr>
-              <a:t>한 스테이지당 </a:t>
-            </a:r>
-            <a:r>
-              <a:rPr lang="en-US" altLang="ko-KR" sz="2000" dirty="0">
-                <a:solidFill>
-                  <a:schemeClr val="bg1">
-                    <a:lumMod val="85000"/>
-                  </a:schemeClr>
-                </a:solidFill>
-                <a:latin typeface="ONE 모바일POP OTF"/>
-                <a:ea typeface="ONE 모바일POP OTF"/>
-              </a:rPr>
-              <a:t>60</a:t>
-            </a:r>
-            <a:r>
-              <a:rPr lang="ko-KR" altLang="en-US" sz="2000" dirty="0">
-                <a:solidFill>
-                  <a:schemeClr val="bg1">
-                    <a:lumMod val="85000"/>
-                  </a:schemeClr>
-                </a:solidFill>
-                <a:latin typeface="ONE 모바일POP OTF"/>
-                <a:ea typeface="ONE 모바일POP OTF"/>
-              </a:rPr>
-              <a:t>초가 지나면 스테이지 재시작</a:t>
+                  <a:schemeClr val="bg1"/>
+                </a:solidFill>
+                <a:latin typeface="ONE 모바일POP OTF"/>
+                <a:ea typeface="ONE 모바일POP OTF"/>
+              </a:rPr>
+              <a:t> 제한시간이 지나면 메인 메뉴로 이동</a:t>
+            </a:r>
+            <a:r>
+              <a:rPr lang="en-US" altLang="ko-KR" sz="2000" dirty="0">
+                <a:solidFill>
+                  <a:schemeClr val="bg1"/>
+                </a:solidFill>
+                <a:latin typeface="ONE 모바일POP OTF"/>
+                <a:ea typeface="ONE 모바일POP OTF"/>
+              </a:rPr>
+              <a:t>. </a:t>
+            </a:r>
+            <a:r>
+              <a:rPr lang="ko-KR" altLang="en-US" sz="2000" dirty="0">
+                <a:solidFill>
+                  <a:schemeClr val="bg1"/>
+                </a:solidFill>
+                <a:latin typeface="ONE 모바일POP OTF"/>
+                <a:ea typeface="ONE 모바일POP OTF"/>
+              </a:rPr>
+              <a:t>감소치는 스테이지마다 다름</a:t>
             </a:r>
             <a:endParaRPr lang="en-US" altLang="ko-KR" sz="2400" dirty="0">
               <a:solidFill>
-                <a:schemeClr val="bg1">
-                  <a:lumMod val="85000"/>
-                </a:schemeClr>
+                <a:schemeClr val="bg1"/>
               </a:solidFill>
               <a:latin typeface="ONE 모바일POP OTF"/>
               <a:ea typeface="ONE 모바일POP OTF"/>
@@ -13479,7 +13420,7 @@
                 <a:latin typeface="ONE 모바일POP OTF" panose="00000500000000000000" pitchFamily="50" charset="-127"/>
                 <a:ea typeface="ONE 모바일POP OTF" panose="00000500000000000000" pitchFamily="50" charset="-127"/>
               </a:rPr>
-              <a:t>(??%)</a:t>
+              <a:t>(35%)</a:t>
             </a:r>
           </a:p>
           <a:p>
@@ -13545,31 +13486,31 @@
                 <a:latin typeface="ONE 모바일POP OTF" panose="00000500000000000000" pitchFamily="50" charset="-127"/>
                 <a:ea typeface="ONE 모바일POP OTF" panose="00000500000000000000" pitchFamily="50" charset="-127"/>
               </a:rPr>
+              <a:t>위성</a:t>
+            </a:r>
+            <a:r>
+              <a:rPr lang="en-US" altLang="ko-KR" sz="2000" dirty="0">
+                <a:solidFill>
+                  <a:schemeClr val="bg1">
+                    <a:lumMod val="75000"/>
+                  </a:schemeClr>
+                </a:solidFill>
+                <a:latin typeface="ONE 모바일POP OTF" panose="00000500000000000000" pitchFamily="50" charset="-127"/>
+                <a:ea typeface="ONE 모바일POP OTF" panose="00000500000000000000" pitchFamily="50" charset="-127"/>
+              </a:rPr>
+              <a:t>, </a:t>
+            </a:r>
+            <a:r>
+              <a:rPr lang="ko-KR" altLang="en-US" sz="2000" dirty="0">
+                <a:solidFill>
+                  <a:schemeClr val="bg1">
+                    <a:lumMod val="75000"/>
+                  </a:schemeClr>
+                </a:solidFill>
+                <a:latin typeface="ONE 모바일POP OTF" panose="00000500000000000000" pitchFamily="50" charset="-127"/>
+                <a:ea typeface="ONE 모바일POP OTF" panose="00000500000000000000" pitchFamily="50" charset="-127"/>
+              </a:rPr>
               <a:t>혜성</a:t>
-            </a:r>
-            <a:r>
-              <a:rPr lang="en-US" altLang="ko-KR" sz="2000" dirty="0">
-                <a:solidFill>
-                  <a:schemeClr val="bg1">
-                    <a:lumMod val="75000"/>
-                  </a:schemeClr>
-                </a:solidFill>
-                <a:latin typeface="ONE 모바일POP OTF" panose="00000500000000000000" pitchFamily="50" charset="-127"/>
-                <a:ea typeface="ONE 모바일POP OTF" panose="00000500000000000000" pitchFamily="50" charset="-127"/>
-              </a:rPr>
-              <a:t>, </a:t>
-            </a:r>
-            <a:r>
-              <a:rPr lang="ko-KR" altLang="en-US" sz="2000" dirty="0">
-                <a:solidFill>
-                  <a:schemeClr val="bg1">
-                    <a:lumMod val="75000"/>
-                  </a:schemeClr>
-                </a:solidFill>
-                <a:latin typeface="ONE 모바일POP OTF" panose="00000500000000000000" pitchFamily="50" charset="-127"/>
-                <a:ea typeface="ONE 모바일POP OTF" panose="00000500000000000000" pitchFamily="50" charset="-127"/>
-              </a:rPr>
-              <a:t>위성</a:t>
             </a:r>
             <a:r>
               <a:rPr lang="en-US" altLang="ko-KR" sz="2000" dirty="0">
@@ -13765,9 +13706,7 @@
             <a:r>
               <a:rPr lang="en-US" altLang="ko-KR" sz="2000" dirty="0">
                 <a:solidFill>
-                  <a:schemeClr val="bg1">
-                    <a:lumMod val="75000"/>
-                  </a:schemeClr>
+                  <a:schemeClr val="bg1"/>
                 </a:solidFill>
                 <a:latin typeface="ONE 모바일POP OTF" panose="00000500000000000000" pitchFamily="50" charset="-127"/>
                 <a:ea typeface="ONE 모바일POP OTF" panose="00000500000000000000" pitchFamily="50" charset="-127"/>
@@ -13777,9 +13716,7 @@
             <a:r>
               <a:rPr lang="ko-KR" altLang="en-US" sz="2000" dirty="0">
                 <a:solidFill>
-                  <a:schemeClr val="bg1">
-                    <a:lumMod val="75000"/>
-                  </a:schemeClr>
+                  <a:schemeClr val="bg1"/>
                 </a:solidFill>
                 <a:latin typeface="ONE 모바일POP OTF" panose="00000500000000000000" pitchFamily="50" charset="-127"/>
                 <a:ea typeface="ONE 모바일POP OTF" panose="00000500000000000000" pitchFamily="50" charset="-127"/>
@@ -13789,9 +13726,7 @@
             <a:r>
               <a:rPr lang="en-US" altLang="ko-KR" sz="2000" dirty="0">
                 <a:solidFill>
-                  <a:schemeClr val="bg1">
-                    <a:lumMod val="75000"/>
-                  </a:schemeClr>
+                  <a:schemeClr val="bg1"/>
                 </a:solidFill>
                 <a:latin typeface="ONE 모바일POP OTF" panose="00000500000000000000" pitchFamily="50" charset="-127"/>
                 <a:ea typeface="ONE 모바일POP OTF" panose="00000500000000000000" pitchFamily="50" charset="-127"/>
@@ -13801,9 +13736,7 @@
             <a:r>
               <a:rPr lang="ko-KR" altLang="en-US" sz="2000" dirty="0">
                 <a:solidFill>
-                  <a:schemeClr val="bg1">
-                    <a:lumMod val="75000"/>
-                  </a:schemeClr>
+                  <a:schemeClr val="bg1"/>
                 </a:solidFill>
                 <a:latin typeface="ONE 모바일POP OTF" panose="00000500000000000000" pitchFamily="50" charset="-127"/>
                 <a:ea typeface="ONE 모바일POP OTF" panose="00000500000000000000" pitchFamily="50" charset="-127"/>
@@ -13813,9 +13746,7 @@
             <a:r>
               <a:rPr lang="en-US" altLang="ko-KR" sz="2000" dirty="0">
                 <a:solidFill>
-                  <a:schemeClr val="bg1">
-                    <a:lumMod val="75000"/>
-                  </a:schemeClr>
+                  <a:schemeClr val="bg1"/>
                 </a:solidFill>
                 <a:latin typeface="ONE 모바일POP OTF" panose="00000500000000000000" pitchFamily="50" charset="-127"/>
                 <a:ea typeface="ONE 모바일POP OTF" panose="00000500000000000000" pitchFamily="50" charset="-127"/>
@@ -13825,9 +13756,7 @@
             <a:r>
               <a:rPr lang="ko-KR" altLang="en-US" sz="2000" dirty="0">
                 <a:solidFill>
-                  <a:schemeClr val="bg1">
-                    <a:lumMod val="75000"/>
-                  </a:schemeClr>
+                  <a:schemeClr val="bg1"/>
                 </a:solidFill>
                 <a:latin typeface="ONE 모바일POP OTF" panose="00000500000000000000" pitchFamily="50" charset="-127"/>
                 <a:ea typeface="ONE 모바일POP OTF" panose="00000500000000000000" pitchFamily="50" charset="-127"/>
@@ -13837,9 +13766,7 @@
             <a:r>
               <a:rPr lang="en-US" altLang="ko-KR" sz="2000" dirty="0">
                 <a:solidFill>
-                  <a:schemeClr val="bg1">
-                    <a:lumMod val="75000"/>
-                  </a:schemeClr>
+                  <a:schemeClr val="bg1"/>
                 </a:solidFill>
                 <a:latin typeface="ONE 모바일POP OTF" panose="00000500000000000000" pitchFamily="50" charset="-127"/>
                 <a:ea typeface="ONE 모바일POP OTF" panose="00000500000000000000" pitchFamily="50" charset="-127"/>
@@ -13849,9 +13776,7 @@
             <a:r>
               <a:rPr lang="ko-KR" altLang="en-US" sz="2000" dirty="0">
                 <a:solidFill>
-                  <a:schemeClr val="bg1">
-                    <a:lumMod val="75000"/>
-                  </a:schemeClr>
+                  <a:schemeClr val="bg1"/>
                 </a:solidFill>
                 <a:latin typeface="ONE 모바일POP OTF" panose="00000500000000000000" pitchFamily="50" charset="-127"/>
                 <a:ea typeface="ONE 모바일POP OTF" panose="00000500000000000000" pitchFamily="50" charset="-127"/>
@@ -13861,9 +13786,7 @@
             <a:r>
               <a:rPr lang="en-US" altLang="ko-KR" sz="2000" dirty="0">
                 <a:solidFill>
-                  <a:schemeClr val="bg1">
-                    <a:lumMod val="75000"/>
-                  </a:schemeClr>
+                  <a:schemeClr val="bg1"/>
                 </a:solidFill>
                 <a:latin typeface="ONE 모바일POP OTF" panose="00000500000000000000" pitchFamily="50" charset="-127"/>
                 <a:ea typeface="ONE 모바일POP OTF" panose="00000500000000000000" pitchFamily="50" charset="-127"/>
@@ -13873,9 +13796,7 @@
             <a:r>
               <a:rPr lang="ko-KR" altLang="en-US" sz="2000" dirty="0">
                 <a:solidFill>
-                  <a:schemeClr val="bg1">
-                    <a:lumMod val="75000"/>
-                  </a:schemeClr>
+                  <a:schemeClr val="bg1"/>
                 </a:solidFill>
                 <a:latin typeface="ONE 모바일POP OTF" panose="00000500000000000000" pitchFamily="50" charset="-127"/>
                 <a:ea typeface="ONE 모바일POP OTF" panose="00000500000000000000" pitchFamily="50" charset="-127"/>
@@ -13885,9 +13806,7 @@
             <a:r>
               <a:rPr lang="en-US" altLang="ko-KR" sz="2000" dirty="0">
                 <a:solidFill>
-                  <a:schemeClr val="bg1">
-                    <a:lumMod val="75000"/>
-                  </a:schemeClr>
+                  <a:schemeClr val="bg1"/>
                 </a:solidFill>
                 <a:latin typeface="ONE 모바일POP OTF" panose="00000500000000000000" pitchFamily="50" charset="-127"/>
                 <a:ea typeface="ONE 모바일POP OTF" panose="00000500000000000000" pitchFamily="50" charset="-127"/>
@@ -13897,9 +13816,7 @@
             <a:r>
               <a:rPr lang="ko-KR" altLang="en-US" sz="2000" dirty="0">
                 <a:solidFill>
-                  <a:schemeClr val="bg1">
-                    <a:lumMod val="75000"/>
-                  </a:schemeClr>
+                  <a:schemeClr val="bg1"/>
                 </a:solidFill>
                 <a:latin typeface="ONE 모바일POP OTF" panose="00000500000000000000" pitchFamily="50" charset="-127"/>
                 <a:ea typeface="ONE 모바일POP OTF" panose="00000500000000000000" pitchFamily="50" charset="-127"/>
@@ -13909,9 +13826,7 @@
             <a:r>
               <a:rPr lang="en-US" altLang="ko-KR" sz="2000" dirty="0">
                 <a:solidFill>
-                  <a:schemeClr val="bg1">
-                    <a:lumMod val="75000"/>
-                  </a:schemeClr>
+                  <a:schemeClr val="bg1"/>
                 </a:solidFill>
                 <a:latin typeface="ONE 모바일POP OTF" panose="00000500000000000000" pitchFamily="50" charset="-127"/>
                 <a:ea typeface="ONE 모바일POP OTF" panose="00000500000000000000" pitchFamily="50" charset="-127"/>
@@ -14132,9 +14047,8 @@
             </a:endParaRPr>
           </a:p>
           <a:p>
-            <a:pPr>
-              <a:buFontTx/>
-              <a:buChar char="-"/>
+            <a:pPr marL="0" indent="0">
+              <a:buNone/>
             </a:pPr>
             <a:r>
               <a:rPr lang="en-US" altLang="ko-KR" sz="2000" dirty="0">
@@ -14328,21 +14242,6 @@
               </a:rPr>
               <a:t>또한 </a:t>
             </a:r>
-            <a:endParaRPr lang="en-US" altLang="ko-KR" sz="2000" dirty="0">
-              <a:solidFill>
-                <a:schemeClr val="bg1">
-                  <a:lumMod val="75000"/>
-                </a:schemeClr>
-              </a:solidFill>
-              <a:latin typeface="ONE 모바일POP OTF" panose="00000500000000000000" pitchFamily="50" charset="-127"/>
-              <a:ea typeface="ONE 모바일POP OTF" panose="00000500000000000000" pitchFamily="50" charset="-127"/>
-            </a:endParaRPr>
-          </a:p>
-          <a:p>
-            <a:pPr>
-              <a:buFontTx/>
-              <a:buChar char="-"/>
-            </a:pPr>
             <a:endParaRPr lang="en-US" altLang="ko-KR" sz="2000" dirty="0">
               <a:solidFill>
                 <a:schemeClr val="bg1">
@@ -16101,7 +16000,7 @@
                 <a:latin typeface="ONE 모바일POP OTF" panose="00000500000000000000" pitchFamily="50" charset="-127"/>
                 <a:ea typeface="ONE 모바일POP OTF" panose="00000500000000000000" pitchFamily="50" charset="-127"/>
               </a:rPr>
-              <a:t>(??%)</a:t>
+              <a:t>(5%)</a:t>
             </a:r>
           </a:p>
           <a:p>
@@ -16741,7 +16640,17 @@
                 <a:latin typeface="ONE 모바일POP OTF" panose="00000500000000000000" pitchFamily="50" charset="-127"/>
                 <a:ea typeface="ONE 모바일POP OTF" panose="00000500000000000000" pitchFamily="50" charset="-127"/>
               </a:rPr>
-              <a:t>어려움에서는 방해물이 늘어나고 시간이 더 빠르게 줄어듭니다</a:t>
+              <a:t>어려움에서는 방해물이 늘어나고 </a:t>
+            </a:r>
+            <a:r>
+              <a:rPr lang="ko-KR" altLang="en-US" sz="2000" dirty="0">
+                <a:solidFill>
+                  <a:schemeClr val="bg1"/>
+                </a:solidFill>
+                <a:latin typeface="ONE 모바일POP OTF" panose="00000500000000000000" pitchFamily="50" charset="-127"/>
+                <a:ea typeface="ONE 모바일POP OTF" panose="00000500000000000000" pitchFamily="50" charset="-127"/>
+              </a:rPr>
+              <a:t>시간이 더 빠르게 줄어듭니다</a:t>
             </a:r>
             <a:r>
               <a:rPr lang="en-US" altLang="ko-KR" sz="2000" dirty="0">

--- a/2018180040 - 2DGP 3차 발표 프레젠테이션.pptx
+++ b/2018180040 - 2DGP 3차 발표 프레젠테이션.pptx
@@ -13479,9 +13479,7 @@
             <a:r>
               <a:rPr lang="ko-KR" altLang="en-US" sz="2000" dirty="0">
                 <a:solidFill>
-                  <a:schemeClr val="bg1">
-                    <a:lumMod val="75000"/>
-                  </a:schemeClr>
+                  <a:schemeClr val="bg1"/>
                 </a:solidFill>
                 <a:latin typeface="ONE 모바일POP OTF" panose="00000500000000000000" pitchFamily="50" charset="-127"/>
                 <a:ea typeface="ONE 모바일POP OTF" panose="00000500000000000000" pitchFamily="50" charset="-127"/>
@@ -13491,9 +13489,7 @@
             <a:r>
               <a:rPr lang="en-US" altLang="ko-KR" sz="2000" dirty="0">
                 <a:solidFill>
-                  <a:schemeClr val="bg1">
-                    <a:lumMod val="75000"/>
-                  </a:schemeClr>
+                  <a:schemeClr val="bg1"/>
                 </a:solidFill>
                 <a:latin typeface="ONE 모바일POP OTF" panose="00000500000000000000" pitchFamily="50" charset="-127"/>
                 <a:ea typeface="ONE 모바일POP OTF" panose="00000500000000000000" pitchFamily="50" charset="-127"/>
@@ -13696,8 +13692,29 @@
                 <a:latin typeface="ONE 모바일POP OTF" panose="00000500000000000000" pitchFamily="50" charset="-127"/>
                 <a:ea typeface="ONE 모바일POP OTF" panose="00000500000000000000" pitchFamily="50" charset="-127"/>
               </a:rPr>
-              <a:t>.</a:t>
-            </a:r>
+              <a:t>. </a:t>
+            </a:r>
+            <a:r>
+              <a:rPr lang="ko-KR" altLang="en-US" sz="2000" dirty="0">
+                <a:solidFill>
+                  <a:schemeClr val="bg1">
+                    <a:lumMod val="75000"/>
+                  </a:schemeClr>
+                </a:solidFill>
+                <a:latin typeface="ONE 모바일POP OTF" panose="00000500000000000000" pitchFamily="50" charset="-127"/>
+                <a:ea typeface="ONE 모바일POP OTF" panose="00000500000000000000" pitchFamily="50" charset="-127"/>
+              </a:rPr>
+              <a:t>블랙홀 범위 내에서는 블랙홀 가운데로 끌어당겨지고 블랙홀 가운데에 닿으면 체력 감소</a:t>
+            </a:r>
+            <a:endParaRPr lang="en-US" altLang="ko-KR" sz="2000" dirty="0">
+              <a:solidFill>
+                <a:schemeClr val="bg1">
+                  <a:lumMod val="75000"/>
+                </a:schemeClr>
+              </a:solidFill>
+              <a:latin typeface="ONE 모바일POP OTF" panose="00000500000000000000" pitchFamily="50" charset="-127"/>
+              <a:ea typeface="ONE 모바일POP OTF" panose="00000500000000000000" pitchFamily="50" charset="-127"/>
+            </a:endParaRPr>
           </a:p>
           <a:p>
             <a:pPr marL="0" indent="0">
@@ -13835,7 +13852,8 @@
             </a:r>
           </a:p>
           <a:p>
-            <a:pPr lvl="0">
+            <a:pPr marL="0" lvl="0" indent="0">
+              <a:buNone/>
               <a:defRPr lang="ko-KR" altLang="en-US"/>
             </a:pPr>
             <a:endParaRPr lang="en-US" altLang="ko-KR" sz="2400" dirty="0">

--- a/2018180040 - 2DGP 3차 발표 프레젠테이션.pptx
+++ b/2018180040 - 2DGP 3차 발표 프레젠테이션.pptx
@@ -224,7 +224,7 @@
               <a:pPr lvl="0">
                 <a:defRPr lang="ko-KR" altLang="en-US"/>
               </a:pPr>
-              <a:t>2022-11-18</a:t>
+              <a:t>2022-11-19</a:t>
             </a:fld>
             <a:endParaRPr lang="ko-KR" altLang="en-US"/>
           </a:p>
@@ -784,7 +784,7 @@
           <a:p>
             <a:fld id="{5DEF9E08-89F7-4BEF-8B6A-F0B3DC75C2BF}" type="datetimeFigureOut">
               <a:rPr lang="ko-KR" altLang="en-US" smtClean="0"/>
-              <a:t>2022-11-18</a:t>
+              <a:t>2022-11-19</a:t>
             </a:fld>
             <a:endParaRPr lang="ko-KR" altLang="en-US"/>
           </a:p>
@@ -2588,7 +2588,7 @@
           <a:p>
             <a:fld id="{5DEF9E08-89F7-4BEF-8B6A-F0B3DC75C2BF}" type="datetimeFigureOut">
               <a:rPr lang="ko-KR" altLang="en-US" smtClean="0"/>
-              <a:t>2022-11-18</a:t>
+              <a:t>2022-11-19</a:t>
             </a:fld>
             <a:endParaRPr lang="ko-KR" altLang="en-US"/>
           </a:p>
@@ -2768,7 +2768,7 @@
           <a:p>
             <a:fld id="{5DEF9E08-89F7-4BEF-8B6A-F0B3DC75C2BF}" type="datetimeFigureOut">
               <a:rPr lang="ko-KR" altLang="en-US" smtClean="0"/>
-              <a:t>2022-11-18</a:t>
+              <a:t>2022-11-19</a:t>
             </a:fld>
             <a:endParaRPr lang="ko-KR" altLang="en-US"/>
           </a:p>
@@ -2943,7 +2943,7 @@
           <a:p>
             <a:fld id="{5DEF9E08-89F7-4BEF-8B6A-F0B3DC75C2BF}" type="datetimeFigureOut">
               <a:rPr lang="ko-KR" altLang="en-US" smtClean="0"/>
-              <a:t>2022-11-18</a:t>
+              <a:t>2022-11-19</a:t>
             </a:fld>
             <a:endParaRPr lang="ko-KR" altLang="en-US"/>
           </a:p>
@@ -3191,7 +3191,7 @@
           <a:p>
             <a:fld id="{5DEF9E08-89F7-4BEF-8B6A-F0B3DC75C2BF}" type="datetimeFigureOut">
               <a:rPr lang="ko-KR" altLang="en-US" smtClean="0"/>
-              <a:t>2022-11-18</a:t>
+              <a:t>2022-11-19</a:t>
             </a:fld>
             <a:endParaRPr lang="ko-KR" altLang="en-US"/>
           </a:p>
@@ -5113,7 +5113,7 @@
           <a:p>
             <a:fld id="{5DEF9E08-89F7-4BEF-8B6A-F0B3DC75C2BF}" type="datetimeFigureOut">
               <a:rPr lang="ko-KR" altLang="en-US" smtClean="0"/>
-              <a:t>2022-11-18</a:t>
+              <a:t>2022-11-19</a:t>
             </a:fld>
             <a:endParaRPr lang="ko-KR" altLang="en-US"/>
           </a:p>
@@ -5549,7 +5549,7 @@
           <a:p>
             <a:fld id="{5DEF9E08-89F7-4BEF-8B6A-F0B3DC75C2BF}" type="datetimeFigureOut">
               <a:rPr lang="ko-KR" altLang="en-US" smtClean="0"/>
-              <a:t>2022-11-18</a:t>
+              <a:t>2022-11-19</a:t>
             </a:fld>
             <a:endParaRPr lang="ko-KR" altLang="en-US"/>
           </a:p>
@@ -5667,7 +5667,7 @@
           <a:p>
             <a:fld id="{5DEF9E08-89F7-4BEF-8B6A-F0B3DC75C2BF}" type="datetimeFigureOut">
               <a:rPr lang="ko-KR" altLang="en-US" smtClean="0"/>
-              <a:t>2022-11-18</a:t>
+              <a:t>2022-11-19</a:t>
             </a:fld>
             <a:endParaRPr lang="ko-KR" altLang="en-US"/>
           </a:p>
@@ -5762,7 +5762,7 @@
           <a:p>
             <a:fld id="{5DEF9E08-89F7-4BEF-8B6A-F0B3DC75C2BF}" type="datetimeFigureOut">
               <a:rPr lang="ko-KR" altLang="en-US" smtClean="0"/>
-              <a:t>2022-11-18</a:t>
+              <a:t>2022-11-19</a:t>
             </a:fld>
             <a:endParaRPr lang="ko-KR" altLang="en-US"/>
           </a:p>
@@ -6059,7 +6059,7 @@
           <a:p>
             <a:fld id="{5DEF9E08-89F7-4BEF-8B6A-F0B3DC75C2BF}" type="datetimeFigureOut">
               <a:rPr lang="ko-KR" altLang="en-US" smtClean="0"/>
-              <a:t>2022-11-18</a:t>
+              <a:t>2022-11-19</a:t>
             </a:fld>
             <a:endParaRPr lang="ko-KR" altLang="en-US"/>
           </a:p>
@@ -6331,7 +6331,7 @@
           <a:p>
             <a:fld id="{5DEF9E08-89F7-4BEF-8B6A-F0B3DC75C2BF}" type="datetimeFigureOut">
               <a:rPr lang="ko-KR" altLang="en-US" smtClean="0"/>
-              <a:t>2022-11-18</a:t>
+              <a:t>2022-11-19</a:t>
             </a:fld>
             <a:endParaRPr lang="ko-KR" altLang="en-US"/>
           </a:p>
@@ -9444,7 +9444,7 @@
           <a:p>
             <a:fld id="{5DEF9E08-89F7-4BEF-8B6A-F0B3DC75C2BF}" type="datetimeFigureOut">
               <a:rPr lang="ko-KR" altLang="en-US" smtClean="0"/>
-              <a:t>2022-11-18</a:t>
+              <a:t>2022-11-19</a:t>
             </a:fld>
             <a:endParaRPr lang="ko-KR" altLang="en-US"/>
           </a:p>
@@ -11099,9 +11099,7 @@
             <a:r>
               <a:rPr lang="en-US" altLang="ko-KR" sz="2000" dirty="0">
                 <a:solidFill>
-                  <a:schemeClr val="bg1">
-                    <a:lumMod val="75000"/>
-                  </a:schemeClr>
+                  <a:schemeClr val="bg1"/>
                 </a:solidFill>
                 <a:latin typeface="ONE 모바일POP OTF"/>
                 <a:ea typeface="ONE 모바일POP OTF"/>
@@ -11111,9 +11109,7 @@
             <a:r>
               <a:rPr lang="ko-KR" altLang="en-US" sz="2000" dirty="0">
                 <a:solidFill>
-                  <a:schemeClr val="bg1">
-                    <a:lumMod val="75000"/>
-                  </a:schemeClr>
+                  <a:schemeClr val="bg1"/>
                 </a:solidFill>
                 <a:latin typeface="ONE 모바일POP OTF"/>
                 <a:ea typeface="ONE 모바일POP OTF"/>
@@ -11123,9 +11119,7 @@
             <a:r>
               <a:rPr lang="en-US" altLang="ko-KR" sz="2000" dirty="0">
                 <a:solidFill>
-                  <a:schemeClr val="bg1">
-                    <a:lumMod val="75000"/>
-                  </a:schemeClr>
+                  <a:schemeClr val="bg1"/>
                 </a:solidFill>
                 <a:latin typeface="ONE 모바일POP OTF"/>
                 <a:ea typeface="ONE 모바일POP OTF"/>
@@ -11190,19 +11184,29 @@
                 <a:latin typeface="ONE 모바일POP OTF"/>
                 <a:ea typeface="ONE 모바일POP OTF"/>
               </a:rPr>
-              <a:t> : </a:t>
-            </a:r>
-            <a:r>
-              <a:rPr lang="en-US" altLang="ko-KR" sz="2000" dirty="0">
-                <a:solidFill>
-                  <a:schemeClr val="bg1">
-                    <a:lumMod val="75000"/>
-                  </a:schemeClr>
-                </a:solidFill>
-                <a:latin typeface="ONE 모바일POP OTF"/>
-                <a:ea typeface="ONE 모바일POP OTF"/>
-              </a:rPr>
-              <a:t>0% </a:t>
+              <a:t> :</a:t>
+            </a:r>
+            <a:r>
+              <a:rPr lang="en-US" altLang="ko-KR" sz="2000" dirty="0">
+                <a:solidFill>
+                  <a:schemeClr val="bg1">
+                    <a:lumMod val="75000"/>
+                  </a:schemeClr>
+                </a:solidFill>
+                <a:latin typeface="ONE 모바일POP OTF"/>
+                <a:ea typeface="ONE 모바일POP OTF"/>
+              </a:rPr>
+              <a:t> </a:t>
+            </a:r>
+            <a:r>
+              <a:rPr lang="en-US" altLang="ko-KR" sz="2000" dirty="0">
+                <a:solidFill>
+                  <a:schemeClr val="bg1"/>
+                </a:solidFill>
+                <a:latin typeface="ONE 모바일POP OTF"/>
+                <a:ea typeface="ONE 모바일POP OTF"/>
+              </a:rPr>
+              <a:t>50% </a:t>
             </a:r>
             <a:r>
               <a:rPr lang="ko-KR" altLang="en-US" sz="2000" dirty="0">
@@ -17959,6 +17963,42 @@
           </a:p>
         </p:txBody>
       </p:sp>
+      <p:pic>
+        <p:nvPicPr>
+          <p:cNvPr id="3" name="그림 2">
+            <a:extLst>
+              <a:ext uri="{FF2B5EF4-FFF2-40B4-BE49-F238E27FC236}">
+                <a16:creationId xmlns:a16="http://schemas.microsoft.com/office/drawing/2014/main" id="{6E966074-A31E-4EAF-70A2-A5971483CAA3}"/>
+              </a:ext>
+            </a:extLst>
+          </p:cNvPr>
+          <p:cNvPicPr>
+            <a:picLocks noChangeAspect="1"/>
+          </p:cNvPicPr>
+          <p:nvPr/>
+        </p:nvPicPr>
+        <p:blipFill>
+          <a:blip r:embed="rId2">
+            <a:extLst>
+              <a:ext uri="{28A0092B-C50C-407E-A947-70E740481C1C}">
+                <a14:useLocalDpi xmlns:a14="http://schemas.microsoft.com/office/drawing/2010/main" val="0"/>
+              </a:ext>
+            </a:extLst>
+          </a:blip>
+          <a:stretch>
+            <a:fillRect/>
+          </a:stretch>
+        </p:blipFill>
+        <p:spPr>
+          <a:xfrm>
+            <a:off x="2842259" y="1272540"/>
+            <a:ext cx="8740140" cy="5113020"/>
+          </a:xfrm>
+          <a:prstGeom prst="rect">
+            <a:avLst/>
+          </a:prstGeom>
+        </p:spPr>
+      </p:pic>
     </p:spTree>
     <p:extLst>
       <p:ext uri="{BB962C8B-B14F-4D97-AF65-F5344CB8AC3E}">
